--- a/Predicting Road Accidents with Climate Data.pptx
+++ b/Predicting Road Accidents with Climate Data.pptx
@@ -5,7 +5,7 @@
     <p:sldMasterId id="2147483658" r:id="rId1"/>
   </p:sldMasterIdLst>
   <p:notesMasterIdLst>
-    <p:notesMasterId r:id="rId14"/>
+    <p:notesMasterId r:id="rId17"/>
   </p:notesMasterIdLst>
   <p:sldIdLst>
     <p:sldId id="294" r:id="rId2"/>
@@ -14,36 +14,39 @@
     <p:sldId id="286" r:id="rId5"/>
     <p:sldId id="287" r:id="rId6"/>
     <p:sldId id="288" r:id="rId7"/>
-    <p:sldId id="289" r:id="rId8"/>
-    <p:sldId id="293" r:id="rId9"/>
-    <p:sldId id="290" r:id="rId10"/>
-    <p:sldId id="295" r:id="rId11"/>
-    <p:sldId id="291" r:id="rId12"/>
-    <p:sldId id="292" r:id="rId13"/>
+    <p:sldId id="297" r:id="rId8"/>
+    <p:sldId id="298" r:id="rId9"/>
+    <p:sldId id="289" r:id="rId10"/>
+    <p:sldId id="293" r:id="rId11"/>
+    <p:sldId id="290" r:id="rId12"/>
+    <p:sldId id="295" r:id="rId13"/>
+    <p:sldId id="299" r:id="rId14"/>
+    <p:sldId id="291" r:id="rId15"/>
+    <p:sldId id="292" r:id="rId16"/>
   </p:sldIdLst>
   <p:sldSz cx="9144000" cy="5143500" type="screen16x9"/>
   <p:notesSz cx="6858000" cy="9144000"/>
   <p:embeddedFontLst>
     <p:embeddedFont>
-      <p:font typeface="Montserrat" charset="0"/>
-      <p:regular r:id="rId15"/>
-      <p:bold r:id="rId16"/>
-      <p:italic r:id="rId17"/>
-      <p:boldItalic r:id="rId18"/>
-    </p:embeddedFont>
-    <p:embeddedFont>
       <p:font typeface="Poppins" charset="0"/>
-      <p:regular r:id="rId19"/>
-      <p:bold r:id="rId20"/>
-      <p:italic r:id="rId21"/>
-      <p:boldItalic r:id="rId22"/>
+      <p:regular r:id="rId18"/>
+      <p:bold r:id="rId19"/>
+      <p:italic r:id="rId20"/>
+      <p:boldItalic r:id="rId21"/>
     </p:embeddedFont>
     <p:embeddedFont>
       <p:font typeface="Montserrat Light" charset="0"/>
-      <p:regular r:id="rId23"/>
-      <p:bold r:id="rId24"/>
-      <p:italic r:id="rId25"/>
-      <p:boldItalic r:id="rId26"/>
+      <p:regular r:id="rId22"/>
+      <p:bold r:id="rId23"/>
+      <p:italic r:id="rId24"/>
+      <p:boldItalic r:id="rId25"/>
+    </p:embeddedFont>
+    <p:embeddedFont>
+      <p:font typeface="Montserrat" charset="0"/>
+      <p:regular r:id="rId26"/>
+      <p:bold r:id="rId27"/>
+      <p:italic r:id="rId28"/>
+      <p:boldItalic r:id="rId29"/>
     </p:embeddedFont>
   </p:embeddedFontLst>
   <p:defaultTextStyle>
@@ -937,6 +940,214 @@
   <p:cSld>
     <p:spTree>
       <p:nvGrpSpPr>
+        <p:cNvPr id="1" name="Shape 385"/>
+        <p:cNvGrpSpPr/>
+        <p:nvPr/>
+      </p:nvGrpSpPr>
+      <p:grpSpPr>
+        <a:xfrm>
+          <a:off x="0" y="0"/>
+          <a:ext cx="0" cy="0"/>
+          <a:chOff x="0" y="0"/>
+          <a:chExt cx="0" cy="0"/>
+        </a:xfrm>
+      </p:grpSpPr>
+      <p:sp>
+        <p:nvSpPr>
+          <p:cNvPr id="386" name="Google Shape;386;g35f391192_057:notes"/>
+          <p:cNvSpPr>
+            <a:spLocks noGrp="1" noRot="1" noChangeAspect="1"/>
+          </p:cNvSpPr>
+          <p:nvPr>
+            <p:ph type="sldImg" idx="2"/>
+          </p:nvPr>
+        </p:nvSpPr>
+        <p:spPr>
+          <a:xfrm>
+            <a:off x="381000" y="685800"/>
+            <a:ext cx="6096000" cy="3429000"/>
+          </a:xfrm>
+          <a:custGeom>
+            <a:avLst/>
+            <a:gdLst/>
+            <a:ahLst/>
+            <a:cxnLst/>
+            <a:rect l="l" t="t" r="r" b="b"/>
+            <a:pathLst>
+              <a:path w="120000" h="120000" extrusionOk="0">
+                <a:moveTo>
+                  <a:pt x="0" y="0"/>
+                </a:moveTo>
+                <a:lnTo>
+                  <a:pt x="120000" y="0"/>
+                </a:lnTo>
+                <a:lnTo>
+                  <a:pt x="120000" y="120000"/>
+                </a:lnTo>
+                <a:lnTo>
+                  <a:pt x="0" y="120000"/>
+                </a:lnTo>
+                <a:close/>
+              </a:path>
+            </a:pathLst>
+          </a:custGeom>
+        </p:spPr>
+      </p:sp>
+      <p:sp>
+        <p:nvSpPr>
+          <p:cNvPr id="387" name="Google Shape;387;g35f391192_057:notes"/>
+          <p:cNvSpPr txBox="1">
+            <a:spLocks noGrp="1"/>
+          </p:cNvSpPr>
+          <p:nvPr>
+            <p:ph type="body" idx="1"/>
+          </p:nvPr>
+        </p:nvSpPr>
+        <p:spPr>
+          <a:xfrm>
+            <a:off x="685800" y="4343400"/>
+            <a:ext cx="5486400" cy="4114800"/>
+          </a:xfrm>
+          <a:prstGeom prst="rect">
+            <a:avLst/>
+          </a:prstGeom>
+        </p:spPr>
+        <p:txBody>
+          <a:bodyPr spcFirstLastPara="1" wrap="square" lIns="91425" tIns="91425" rIns="91425" bIns="91425" anchor="t" anchorCtr="0">
+            <a:noAutofit/>
+          </a:bodyPr>
+          <a:lstStyle/>
+          <a:p>
+            <a:pPr marL="0" lvl="0" indent="0" algn="l" rtl="0">
+              <a:spcBef>
+                <a:spcPts val="0"/>
+              </a:spcBef>
+              <a:spcAft>
+                <a:spcPts val="0"/>
+              </a:spcAft>
+              <a:buNone/>
+            </a:pPr>
+            <a:endParaRPr/>
+          </a:p>
+        </p:txBody>
+      </p:sp>
+    </p:spTree>
+  </p:cSld>
+  <p:clrMapOvr>
+    <a:masterClrMapping/>
+  </p:clrMapOvr>
+</p:notes>
+</file>
+
+<file path=ppt/notesSlides/notesSlide12.xml><?xml version="1.0" encoding="utf-8"?>
+<p:notes xmlns:a="http://schemas.openxmlformats.org/drawingml/2006/main" xmlns:r="http://schemas.openxmlformats.org/officeDocument/2006/relationships" xmlns:p="http://schemas.openxmlformats.org/presentationml/2006/main" showMasterSp="0" showMasterPhAnim="0">
+  <p:cSld>
+    <p:spTree>
+      <p:nvGrpSpPr>
+        <p:cNvPr id="1" name="Shape 385"/>
+        <p:cNvGrpSpPr/>
+        <p:nvPr/>
+      </p:nvGrpSpPr>
+      <p:grpSpPr>
+        <a:xfrm>
+          <a:off x="0" y="0"/>
+          <a:ext cx="0" cy="0"/>
+          <a:chOff x="0" y="0"/>
+          <a:chExt cx="0" cy="0"/>
+        </a:xfrm>
+      </p:grpSpPr>
+      <p:sp>
+        <p:nvSpPr>
+          <p:cNvPr id="386" name="Google Shape;386;g35f391192_057:notes"/>
+          <p:cNvSpPr>
+            <a:spLocks noGrp="1" noRot="1" noChangeAspect="1"/>
+          </p:cNvSpPr>
+          <p:nvPr>
+            <p:ph type="sldImg" idx="2"/>
+          </p:nvPr>
+        </p:nvSpPr>
+        <p:spPr>
+          <a:xfrm>
+            <a:off x="381000" y="685800"/>
+            <a:ext cx="6096000" cy="3429000"/>
+          </a:xfrm>
+          <a:custGeom>
+            <a:avLst/>
+            <a:gdLst/>
+            <a:ahLst/>
+            <a:cxnLst/>
+            <a:rect l="l" t="t" r="r" b="b"/>
+            <a:pathLst>
+              <a:path w="120000" h="120000" extrusionOk="0">
+                <a:moveTo>
+                  <a:pt x="0" y="0"/>
+                </a:moveTo>
+                <a:lnTo>
+                  <a:pt x="120000" y="0"/>
+                </a:lnTo>
+                <a:lnTo>
+                  <a:pt x="120000" y="120000"/>
+                </a:lnTo>
+                <a:lnTo>
+                  <a:pt x="0" y="120000"/>
+                </a:lnTo>
+                <a:close/>
+              </a:path>
+            </a:pathLst>
+          </a:custGeom>
+        </p:spPr>
+      </p:sp>
+      <p:sp>
+        <p:nvSpPr>
+          <p:cNvPr id="387" name="Google Shape;387;g35f391192_057:notes"/>
+          <p:cNvSpPr txBox="1">
+            <a:spLocks noGrp="1"/>
+          </p:cNvSpPr>
+          <p:nvPr>
+            <p:ph type="body" idx="1"/>
+          </p:nvPr>
+        </p:nvSpPr>
+        <p:spPr>
+          <a:xfrm>
+            <a:off x="685800" y="4343400"/>
+            <a:ext cx="5486400" cy="4114800"/>
+          </a:xfrm>
+          <a:prstGeom prst="rect">
+            <a:avLst/>
+          </a:prstGeom>
+        </p:spPr>
+        <p:txBody>
+          <a:bodyPr spcFirstLastPara="1" wrap="square" lIns="91425" tIns="91425" rIns="91425" bIns="91425" anchor="t" anchorCtr="0">
+            <a:noAutofit/>
+          </a:bodyPr>
+          <a:lstStyle/>
+          <a:p>
+            <a:pPr marL="0" lvl="0" indent="0" algn="l" rtl="0">
+              <a:spcBef>
+                <a:spcPts val="0"/>
+              </a:spcBef>
+              <a:spcAft>
+                <a:spcPts val="0"/>
+              </a:spcAft>
+              <a:buNone/>
+            </a:pPr>
+            <a:endParaRPr/>
+          </a:p>
+        </p:txBody>
+      </p:sp>
+    </p:spTree>
+  </p:cSld>
+  <p:clrMapOvr>
+    <a:masterClrMapping/>
+  </p:clrMapOvr>
+</p:notes>
+</file>
+
+<file path=ppt/notesSlides/notesSlide13.xml><?xml version="1.0" encoding="utf-8"?>
+<p:notes xmlns:a="http://schemas.openxmlformats.org/drawingml/2006/main" xmlns:r="http://schemas.openxmlformats.org/officeDocument/2006/relationships" xmlns:p="http://schemas.openxmlformats.org/presentationml/2006/main" showMasterSp="0" showMasterPhAnim="0">
+  <p:cSld>
+    <p:spTree>
+      <p:nvGrpSpPr>
         <p:cNvPr id="1" name="Shape 341"/>
         <p:cNvGrpSpPr/>
         <p:nvPr/>
@@ -1036,7 +1247,111 @@
 </p:notes>
 </file>
 
-<file path=ppt/notesSlides/notesSlide12.xml><?xml version="1.0" encoding="utf-8"?>
+<file path=ppt/notesSlides/notesSlide14.xml><?xml version="1.0" encoding="utf-8"?>
+<p:notes xmlns:a="http://schemas.openxmlformats.org/drawingml/2006/main" xmlns:r="http://schemas.openxmlformats.org/officeDocument/2006/relationships" xmlns:p="http://schemas.openxmlformats.org/presentationml/2006/main" showMasterSp="0" showMasterPhAnim="0">
+  <p:cSld>
+    <p:spTree>
+      <p:nvGrpSpPr>
+        <p:cNvPr id="1" name="Shape 341"/>
+        <p:cNvGrpSpPr/>
+        <p:nvPr/>
+      </p:nvGrpSpPr>
+      <p:grpSpPr>
+        <a:xfrm>
+          <a:off x="0" y="0"/>
+          <a:ext cx="0" cy="0"/>
+          <a:chOff x="0" y="0"/>
+          <a:chExt cx="0" cy="0"/>
+        </a:xfrm>
+      </p:grpSpPr>
+      <p:sp>
+        <p:nvSpPr>
+          <p:cNvPr id="342" name="Google Shape;342;p:notes"/>
+          <p:cNvSpPr>
+            <a:spLocks noGrp="1" noRot="1" noChangeAspect="1"/>
+          </p:cNvSpPr>
+          <p:nvPr>
+            <p:ph type="sldImg" idx="2"/>
+          </p:nvPr>
+        </p:nvSpPr>
+        <p:spPr>
+          <a:xfrm>
+            <a:off x="381000" y="685800"/>
+            <a:ext cx="6096000" cy="3429000"/>
+          </a:xfrm>
+          <a:custGeom>
+            <a:avLst/>
+            <a:gdLst/>
+            <a:ahLst/>
+            <a:cxnLst/>
+            <a:rect l="l" t="t" r="r" b="b"/>
+            <a:pathLst>
+              <a:path w="120000" h="120000" extrusionOk="0">
+                <a:moveTo>
+                  <a:pt x="0" y="0"/>
+                </a:moveTo>
+                <a:lnTo>
+                  <a:pt x="120000" y="0"/>
+                </a:lnTo>
+                <a:lnTo>
+                  <a:pt x="120000" y="120000"/>
+                </a:lnTo>
+                <a:lnTo>
+                  <a:pt x="0" y="120000"/>
+                </a:lnTo>
+                <a:close/>
+              </a:path>
+            </a:pathLst>
+          </a:custGeom>
+        </p:spPr>
+      </p:sp>
+      <p:sp>
+        <p:nvSpPr>
+          <p:cNvPr id="343" name="Google Shape;343;p:notes"/>
+          <p:cNvSpPr txBox="1">
+            <a:spLocks noGrp="1"/>
+          </p:cNvSpPr>
+          <p:nvPr>
+            <p:ph type="body" idx="1"/>
+          </p:nvPr>
+        </p:nvSpPr>
+        <p:spPr>
+          <a:xfrm>
+            <a:off x="685800" y="4343400"/>
+            <a:ext cx="5486400" cy="4114800"/>
+          </a:xfrm>
+          <a:prstGeom prst="rect">
+            <a:avLst/>
+          </a:prstGeom>
+        </p:spPr>
+        <p:txBody>
+          <a:bodyPr spcFirstLastPara="1" wrap="square" lIns="91425" tIns="91425" rIns="91425" bIns="91425" anchor="t" anchorCtr="0">
+            <a:noAutofit/>
+          </a:bodyPr>
+          <a:lstStyle/>
+          <a:p>
+            <a:pPr marL="0" lvl="0" indent="0" algn="l" rtl="0">
+              <a:spcBef>
+                <a:spcPts val="0"/>
+              </a:spcBef>
+              <a:spcAft>
+                <a:spcPts val="0"/>
+              </a:spcAft>
+              <a:buNone/>
+            </a:pPr>
+            <a:endParaRPr/>
+          </a:p>
+        </p:txBody>
+      </p:sp>
+    </p:spTree>
+  </p:cSld>
+  <p:clrMapOvr>
+    <a:masterClrMapping/>
+  </p:clrMapOvr>
+</p:notes>
+</file>
+
+<file path=ppt/notesSlides/notesSlide15.xml><?xml version="1.0" encoding="utf-8"?>
 <p:notes xmlns:a="http://schemas.openxmlformats.org/drawingml/2006/main" xmlns:r="http://schemas.openxmlformats.org/officeDocument/2006/relationships" xmlns:p="http://schemas.openxmlformats.org/presentationml/2006/main" showMasterSp="0" showMasterPhAnim="0">
   <p:cSld>
     <p:spTree>
@@ -5381,7 +5696,7 @@
         <p:spPr>
           <a:xfrm>
             <a:off x="776450" y="402700"/>
-            <a:ext cx="4371614" cy="856800"/>
+            <a:ext cx="3587400" cy="856800"/>
           </a:xfrm>
           <a:prstGeom prst="rect">
             <a:avLst/>
@@ -5404,7 +5719,983 @@
             </a:pPr>
             <a:r>
               <a:rPr lang="en" dirty="0" smtClean="0"/>
-              <a:t>FORECASTING: ANGUS, MONTREAL, QC</a:t>
+              <a:t>FEATURE IMPORTANCE</a:t>
+            </a:r>
+            <a:endParaRPr dirty="0"/>
+          </a:p>
+        </p:txBody>
+      </p:sp>
+      <p:sp>
+        <p:nvSpPr>
+          <p:cNvPr id="391" name="Google Shape;391;p21"/>
+          <p:cNvSpPr txBox="1">
+            <a:spLocks noGrp="1"/>
+          </p:cNvSpPr>
+          <p:nvPr>
+            <p:ph type="sldNum" idx="12"/>
+          </p:nvPr>
+        </p:nvSpPr>
+        <p:spPr>
+          <a:xfrm>
+            <a:off x="8746358" y="4442060"/>
+            <a:ext cx="414600" cy="409500"/>
+          </a:xfrm>
+          <a:prstGeom prst="rect">
+            <a:avLst/>
+          </a:prstGeom>
+        </p:spPr>
+        <p:txBody>
+          <a:bodyPr spcFirstLastPara="1" wrap="square" lIns="0" tIns="0" rIns="0" bIns="0" anchor="ctr" anchorCtr="0">
+            <a:noAutofit/>
+          </a:bodyPr>
+          <a:lstStyle/>
+          <a:p>
+            <a:pPr marL="0" lvl="0" indent="0" algn="ctr" rtl="0">
+              <a:spcBef>
+                <a:spcPts val="0"/>
+              </a:spcBef>
+              <a:spcAft>
+                <a:spcPts val="0"/>
+              </a:spcAft>
+              <a:buNone/>
+            </a:pPr>
+            <a:fld id="{00000000-1234-1234-1234-123412341234}" type="slidenum">
+              <a:rPr lang="en"/>
+              <a:t>10</a:t>
+            </a:fld>
+            <a:endParaRPr/>
+          </a:p>
+        </p:txBody>
+      </p:sp>
+      <p:sp>
+        <p:nvSpPr>
+          <p:cNvPr id="8" name="Google Shape;346;p17"/>
+          <p:cNvSpPr txBox="1">
+            <a:spLocks/>
+          </p:cNvSpPr>
+          <p:nvPr/>
+        </p:nvSpPr>
+        <p:spPr>
+          <a:xfrm>
+            <a:off x="1043608" y="1652383"/>
+            <a:ext cx="7315558" cy="2932500"/>
+          </a:xfrm>
+          <a:prstGeom prst="rect">
+            <a:avLst/>
+          </a:prstGeom>
+          <a:noFill/>
+          <a:ln>
+            <a:noFill/>
+          </a:ln>
+        </p:spPr>
+        <p:txBody>
+          <a:bodyPr spcFirstLastPara="1" wrap="square" lIns="0" tIns="0" rIns="0" bIns="0" anchor="t" anchorCtr="0">
+            <a:noAutofit/>
+          </a:bodyPr>
+          <a:lstStyle>
+            <a:defPPr marR="0" lvl="0" algn="l" rtl="0">
+              <a:lnSpc>
+                <a:spcPct val="100000"/>
+              </a:lnSpc>
+              <a:spcBef>
+                <a:spcPts val="0"/>
+              </a:spcBef>
+              <a:spcAft>
+                <a:spcPts val="0"/>
+              </a:spcAft>
+            </a:defPPr>
+            <a:lvl1pPr marL="457200" marR="0" lvl="0" indent="-355600" algn="l" rtl="0">
+              <a:lnSpc>
+                <a:spcPct val="120000"/>
+              </a:lnSpc>
+              <a:spcBef>
+                <a:spcPts val="600"/>
+              </a:spcBef>
+              <a:spcAft>
+                <a:spcPts val="0"/>
+              </a:spcAft>
+              <a:buClr>
+                <a:schemeClr val="accent6"/>
+              </a:buClr>
+              <a:buSzPts val="2000"/>
+              <a:buFont typeface="Montserrat Light"/>
+              <a:buChar char="❑"/>
+              <a:defRPr sz="2000" b="0" i="0" u="none" strike="noStrike" cap="none">
+                <a:solidFill>
+                  <a:schemeClr val="dk1"/>
+                </a:solidFill>
+                <a:latin typeface="Montserrat Light"/>
+                <a:ea typeface="Montserrat Light"/>
+                <a:cs typeface="Montserrat Light"/>
+                <a:sym typeface="Montserrat Light"/>
+              </a:defRPr>
+            </a:lvl1pPr>
+            <a:lvl2pPr marL="914400" marR="0" lvl="1" indent="-355600" algn="l" rtl="0">
+              <a:lnSpc>
+                <a:spcPct val="120000"/>
+              </a:lnSpc>
+              <a:spcBef>
+                <a:spcPts val="600"/>
+              </a:spcBef>
+              <a:spcAft>
+                <a:spcPts val="0"/>
+              </a:spcAft>
+              <a:buClr>
+                <a:schemeClr val="accent6"/>
+              </a:buClr>
+              <a:buSzPts val="2000"/>
+              <a:buFont typeface="Montserrat Light"/>
+              <a:buChar char="❏"/>
+              <a:defRPr sz="2000" b="0" i="0" u="none" strike="noStrike" cap="none">
+                <a:solidFill>
+                  <a:schemeClr val="dk1"/>
+                </a:solidFill>
+                <a:latin typeface="Montserrat Light"/>
+                <a:ea typeface="Montserrat Light"/>
+                <a:cs typeface="Montserrat Light"/>
+                <a:sym typeface="Montserrat Light"/>
+              </a:defRPr>
+            </a:lvl2pPr>
+            <a:lvl3pPr marL="1371600" marR="0" lvl="2" indent="-355600" algn="l" rtl="0">
+              <a:lnSpc>
+                <a:spcPct val="120000"/>
+              </a:lnSpc>
+              <a:spcBef>
+                <a:spcPts val="600"/>
+              </a:spcBef>
+              <a:spcAft>
+                <a:spcPts val="0"/>
+              </a:spcAft>
+              <a:buClr>
+                <a:schemeClr val="accent6"/>
+              </a:buClr>
+              <a:buSzPts val="2000"/>
+              <a:buFont typeface="Montserrat Light"/>
+              <a:buChar char="❏"/>
+              <a:defRPr sz="2000" b="0" i="0" u="none" strike="noStrike" cap="none">
+                <a:solidFill>
+                  <a:schemeClr val="dk1"/>
+                </a:solidFill>
+                <a:latin typeface="Montserrat Light"/>
+                <a:ea typeface="Montserrat Light"/>
+                <a:cs typeface="Montserrat Light"/>
+                <a:sym typeface="Montserrat Light"/>
+              </a:defRPr>
+            </a:lvl3pPr>
+            <a:lvl4pPr marL="1828800" marR="0" lvl="3" indent="-355600" algn="l" rtl="0">
+              <a:lnSpc>
+                <a:spcPct val="120000"/>
+              </a:lnSpc>
+              <a:spcBef>
+                <a:spcPts val="600"/>
+              </a:spcBef>
+              <a:spcAft>
+                <a:spcPts val="0"/>
+              </a:spcAft>
+              <a:buClr>
+                <a:schemeClr val="accent6"/>
+              </a:buClr>
+              <a:buSzPts val="2000"/>
+              <a:buFont typeface="Montserrat Light"/>
+              <a:buChar char="❏"/>
+              <a:defRPr sz="2000" b="0" i="0" u="none" strike="noStrike" cap="none">
+                <a:solidFill>
+                  <a:schemeClr val="dk1"/>
+                </a:solidFill>
+                <a:latin typeface="Montserrat Light"/>
+                <a:ea typeface="Montserrat Light"/>
+                <a:cs typeface="Montserrat Light"/>
+                <a:sym typeface="Montserrat Light"/>
+              </a:defRPr>
+            </a:lvl4pPr>
+            <a:lvl5pPr marL="2286000" marR="0" lvl="4" indent="-355600" algn="l" rtl="0">
+              <a:lnSpc>
+                <a:spcPct val="120000"/>
+              </a:lnSpc>
+              <a:spcBef>
+                <a:spcPts val="600"/>
+              </a:spcBef>
+              <a:spcAft>
+                <a:spcPts val="0"/>
+              </a:spcAft>
+              <a:buClr>
+                <a:schemeClr val="accent6"/>
+              </a:buClr>
+              <a:buSzPts val="2000"/>
+              <a:buFont typeface="Montserrat Light"/>
+              <a:buChar char="❏"/>
+              <a:defRPr sz="2000" b="0" i="0" u="none" strike="noStrike" cap="none">
+                <a:solidFill>
+                  <a:schemeClr val="dk1"/>
+                </a:solidFill>
+                <a:latin typeface="Montserrat Light"/>
+                <a:ea typeface="Montserrat Light"/>
+                <a:cs typeface="Montserrat Light"/>
+                <a:sym typeface="Montserrat Light"/>
+              </a:defRPr>
+            </a:lvl5pPr>
+            <a:lvl6pPr marL="2743200" marR="0" lvl="5" indent="-355600" algn="l" rtl="0">
+              <a:lnSpc>
+                <a:spcPct val="120000"/>
+              </a:lnSpc>
+              <a:spcBef>
+                <a:spcPts val="600"/>
+              </a:spcBef>
+              <a:spcAft>
+                <a:spcPts val="0"/>
+              </a:spcAft>
+              <a:buClr>
+                <a:schemeClr val="accent6"/>
+              </a:buClr>
+              <a:buSzPts val="2000"/>
+              <a:buFont typeface="Montserrat Light"/>
+              <a:buChar char="❏"/>
+              <a:defRPr sz="2000" b="0" i="0" u="none" strike="noStrike" cap="none">
+                <a:solidFill>
+                  <a:schemeClr val="dk1"/>
+                </a:solidFill>
+                <a:latin typeface="Montserrat Light"/>
+                <a:ea typeface="Montserrat Light"/>
+                <a:cs typeface="Montserrat Light"/>
+                <a:sym typeface="Montserrat Light"/>
+              </a:defRPr>
+            </a:lvl6pPr>
+            <a:lvl7pPr marL="3200400" marR="0" lvl="6" indent="-355600" algn="l" rtl="0">
+              <a:lnSpc>
+                <a:spcPct val="120000"/>
+              </a:lnSpc>
+              <a:spcBef>
+                <a:spcPts val="600"/>
+              </a:spcBef>
+              <a:spcAft>
+                <a:spcPts val="0"/>
+              </a:spcAft>
+              <a:buClr>
+                <a:schemeClr val="accent6"/>
+              </a:buClr>
+              <a:buSzPts val="2000"/>
+              <a:buFont typeface="Montserrat Light"/>
+              <a:buChar char="❏"/>
+              <a:defRPr sz="2000" b="0" i="0" u="none" strike="noStrike" cap="none">
+                <a:solidFill>
+                  <a:schemeClr val="dk1"/>
+                </a:solidFill>
+                <a:latin typeface="Montserrat Light"/>
+                <a:ea typeface="Montserrat Light"/>
+                <a:cs typeface="Montserrat Light"/>
+                <a:sym typeface="Montserrat Light"/>
+              </a:defRPr>
+            </a:lvl7pPr>
+            <a:lvl8pPr marL="3657600" marR="0" lvl="7" indent="-355600" algn="l" rtl="0">
+              <a:lnSpc>
+                <a:spcPct val="120000"/>
+              </a:lnSpc>
+              <a:spcBef>
+                <a:spcPts val="600"/>
+              </a:spcBef>
+              <a:spcAft>
+                <a:spcPts val="0"/>
+              </a:spcAft>
+              <a:buClr>
+                <a:schemeClr val="accent6"/>
+              </a:buClr>
+              <a:buSzPts val="2000"/>
+              <a:buFont typeface="Montserrat Light"/>
+              <a:buChar char="❏"/>
+              <a:defRPr sz="2000" b="0" i="0" u="none" strike="noStrike" cap="none">
+                <a:solidFill>
+                  <a:schemeClr val="dk1"/>
+                </a:solidFill>
+                <a:latin typeface="Montserrat Light"/>
+                <a:ea typeface="Montserrat Light"/>
+                <a:cs typeface="Montserrat Light"/>
+                <a:sym typeface="Montserrat Light"/>
+              </a:defRPr>
+            </a:lvl8pPr>
+            <a:lvl9pPr marL="4114800" marR="0" lvl="8" indent="-355600" algn="l" rtl="0">
+              <a:lnSpc>
+                <a:spcPct val="120000"/>
+              </a:lnSpc>
+              <a:spcBef>
+                <a:spcPts val="600"/>
+              </a:spcBef>
+              <a:spcAft>
+                <a:spcPts val="0"/>
+              </a:spcAft>
+              <a:buClr>
+                <a:schemeClr val="accent6"/>
+              </a:buClr>
+              <a:buSzPts val="2000"/>
+              <a:buFont typeface="Montserrat Light"/>
+              <a:buChar char="❏"/>
+              <a:defRPr sz="2000" b="0" i="0" u="none" strike="noStrike" cap="none">
+                <a:solidFill>
+                  <a:schemeClr val="dk1"/>
+                </a:solidFill>
+                <a:latin typeface="Montserrat Light"/>
+                <a:ea typeface="Montserrat Light"/>
+                <a:cs typeface="Montserrat Light"/>
+                <a:sym typeface="Montserrat Light"/>
+              </a:defRPr>
+            </a:lvl9pPr>
+          </a:lstStyle>
+          <a:p>
+            <a:pPr>
+              <a:spcBef>
+                <a:spcPts val="0"/>
+              </a:spcBef>
+            </a:pPr>
+            <a:endParaRPr lang="en-US" sz="1600" dirty="0" smtClean="0"/>
+          </a:p>
+          <a:p>
+            <a:pPr>
+              <a:spcBef>
+                <a:spcPts val="0"/>
+              </a:spcBef>
+            </a:pPr>
+            <a:endParaRPr lang="en-US" sz="1600" dirty="0"/>
+          </a:p>
+        </p:txBody>
+      </p:sp>
+      <p:pic>
+        <p:nvPicPr>
+          <p:cNvPr id="2" name="Picture 1"/>
+          <p:cNvPicPr>
+            <a:picLocks noChangeAspect="1"/>
+          </p:cNvPicPr>
+          <p:nvPr/>
+        </p:nvPicPr>
+        <p:blipFill>
+          <a:blip r:embed="rId3">
+            <a:extLst>
+              <a:ext uri="{28A0092B-C50C-407E-A947-70E740481C1C}">
+                <a14:useLocalDpi xmlns:a14="http://schemas.microsoft.com/office/drawing/2010/main" val="0"/>
+              </a:ext>
+            </a:extLst>
+          </a:blip>
+          <a:stretch>
+            <a:fillRect/>
+          </a:stretch>
+        </p:blipFill>
+        <p:spPr>
+          <a:xfrm>
+            <a:off x="16958" y="1733597"/>
+            <a:ext cx="9144000" cy="3117888"/>
+          </a:xfrm>
+          <a:prstGeom prst="rect">
+            <a:avLst/>
+          </a:prstGeom>
+        </p:spPr>
+      </p:pic>
+      <p:sp>
+        <p:nvSpPr>
+          <p:cNvPr id="4" name="Right Brace 3"/>
+          <p:cNvSpPr/>
+          <p:nvPr/>
+        </p:nvSpPr>
+        <p:spPr>
+          <a:xfrm>
+            <a:off x="1780646" y="1775679"/>
+            <a:ext cx="144016" cy="792088"/>
+          </a:xfrm>
+          <a:prstGeom prst="rightBrace">
+            <a:avLst/>
+          </a:prstGeom>
+        </p:spPr>
+        <p:style>
+          <a:lnRef idx="2">
+            <a:schemeClr val="dk1"/>
+          </a:lnRef>
+          <a:fillRef idx="0">
+            <a:schemeClr val="dk1"/>
+          </a:fillRef>
+          <a:effectRef idx="1">
+            <a:schemeClr val="dk1"/>
+          </a:effectRef>
+          <a:fontRef idx="minor">
+            <a:schemeClr val="tx1"/>
+          </a:fontRef>
+        </p:style>
+        <p:txBody>
+          <a:bodyPr rtlCol="0" anchor="ctr"/>
+          <a:lstStyle/>
+          <a:p>
+            <a:pPr algn="ctr"/>
+            <a:endParaRPr lang="en-CA"/>
+          </a:p>
+        </p:txBody>
+      </p:sp>
+      <p:sp>
+        <p:nvSpPr>
+          <p:cNvPr id="5" name="TextBox 4"/>
+          <p:cNvSpPr txBox="1"/>
+          <p:nvPr/>
+        </p:nvSpPr>
+        <p:spPr>
+          <a:xfrm>
+            <a:off x="1924662" y="2017834"/>
+            <a:ext cx="1800200" cy="307777"/>
+          </a:xfrm>
+          <a:prstGeom prst="rect">
+            <a:avLst/>
+          </a:prstGeom>
+          <a:noFill/>
+        </p:spPr>
+        <p:txBody>
+          <a:bodyPr wrap="square" rtlCol="0">
+            <a:spAutoFit/>
+          </a:bodyPr>
+          <a:lstStyle/>
+          <a:p>
+            <a:r>
+              <a:rPr lang="en-CA" dirty="0" smtClean="0"/>
+              <a:t>Precipitation Data</a:t>
+            </a:r>
+            <a:endParaRPr lang="en-CA" dirty="0"/>
+          </a:p>
+        </p:txBody>
+      </p:sp>
+      <p:sp>
+        <p:nvSpPr>
+          <p:cNvPr id="10" name="Right Brace 9"/>
+          <p:cNvSpPr/>
+          <p:nvPr/>
+        </p:nvSpPr>
+        <p:spPr>
+          <a:xfrm>
+            <a:off x="8758676" y="2430573"/>
+            <a:ext cx="144016" cy="971419"/>
+          </a:xfrm>
+          <a:prstGeom prst="rightBrace">
+            <a:avLst/>
+          </a:prstGeom>
+        </p:spPr>
+        <p:style>
+          <a:lnRef idx="2">
+            <a:schemeClr val="dk1"/>
+          </a:lnRef>
+          <a:fillRef idx="0">
+            <a:schemeClr val="dk1"/>
+          </a:fillRef>
+          <a:effectRef idx="1">
+            <a:schemeClr val="dk1"/>
+          </a:effectRef>
+          <a:fontRef idx="minor">
+            <a:schemeClr val="tx1"/>
+          </a:fontRef>
+        </p:style>
+        <p:txBody>
+          <a:bodyPr rtlCol="0" anchor="ctr"/>
+          <a:lstStyle/>
+          <a:p>
+            <a:pPr algn="ctr"/>
+            <a:endParaRPr lang="en-CA"/>
+          </a:p>
+        </p:txBody>
+      </p:sp>
+      <p:sp>
+        <p:nvSpPr>
+          <p:cNvPr id="11" name="TextBox 10"/>
+          <p:cNvSpPr txBox="1"/>
+          <p:nvPr/>
+        </p:nvSpPr>
+        <p:spPr>
+          <a:xfrm>
+            <a:off x="7731425" y="3709770"/>
+            <a:ext cx="1289398" cy="307777"/>
+          </a:xfrm>
+          <a:prstGeom prst="rect">
+            <a:avLst/>
+          </a:prstGeom>
+          <a:noFill/>
+        </p:spPr>
+        <p:txBody>
+          <a:bodyPr wrap="square" rtlCol="0">
+            <a:spAutoFit/>
+          </a:bodyPr>
+          <a:lstStyle/>
+          <a:p>
+            <a:r>
+              <a:rPr lang="en-CA" dirty="0" smtClean="0"/>
+              <a:t>Location Data</a:t>
+            </a:r>
+            <a:endParaRPr lang="en-CA" dirty="0"/>
+          </a:p>
+        </p:txBody>
+      </p:sp>
+      <p:cxnSp>
+        <p:nvCxnSpPr>
+          <p:cNvPr id="20" name="Elbow Connector 19"/>
+          <p:cNvCxnSpPr>
+            <a:stCxn id="10" idx="1"/>
+            <a:endCxn id="11" idx="3"/>
+          </p:cNvCxnSpPr>
+          <p:nvPr/>
+        </p:nvCxnSpPr>
+        <p:spPr>
+          <a:xfrm rot="10800000" flipH="1" flipV="1">
+            <a:off x="8902691" y="2916283"/>
+            <a:ext cx="118131" cy="947376"/>
+          </a:xfrm>
+          <a:prstGeom prst="bentConnector5">
+            <a:avLst>
+              <a:gd name="adj1" fmla="val 143032"/>
+              <a:gd name="adj2" fmla="val 67513"/>
+              <a:gd name="adj3" fmla="val 142069"/>
+            </a:avLst>
+          </a:prstGeom>
+        </p:spPr>
+        <p:style>
+          <a:lnRef idx="2">
+            <a:schemeClr val="dk1"/>
+          </a:lnRef>
+          <a:fillRef idx="0">
+            <a:schemeClr val="dk1"/>
+          </a:fillRef>
+          <a:effectRef idx="1">
+            <a:schemeClr val="dk1"/>
+          </a:effectRef>
+          <a:fontRef idx="minor">
+            <a:schemeClr val="tx1"/>
+          </a:fontRef>
+        </p:style>
+      </p:cxnSp>
+      <p:sp>
+        <p:nvSpPr>
+          <p:cNvPr id="31" name="Right Brace 30"/>
+          <p:cNvSpPr/>
+          <p:nvPr/>
+        </p:nvSpPr>
+        <p:spPr>
+          <a:xfrm>
+            <a:off x="2155560" y="3575879"/>
+            <a:ext cx="144016" cy="1106504"/>
+          </a:xfrm>
+          <a:prstGeom prst="rightBrace">
+            <a:avLst/>
+          </a:prstGeom>
+        </p:spPr>
+        <p:style>
+          <a:lnRef idx="2">
+            <a:schemeClr val="dk1"/>
+          </a:lnRef>
+          <a:fillRef idx="0">
+            <a:schemeClr val="dk1"/>
+          </a:fillRef>
+          <a:effectRef idx="1">
+            <a:schemeClr val="dk1"/>
+          </a:effectRef>
+          <a:fontRef idx="minor">
+            <a:schemeClr val="tx1"/>
+          </a:fontRef>
+        </p:style>
+        <p:txBody>
+          <a:bodyPr rtlCol="0" anchor="ctr"/>
+          <a:lstStyle/>
+          <a:p>
+            <a:pPr algn="ctr"/>
+            <a:endParaRPr lang="en-CA"/>
+          </a:p>
+        </p:txBody>
+      </p:sp>
+      <p:sp>
+        <p:nvSpPr>
+          <p:cNvPr id="32" name="TextBox 31"/>
+          <p:cNvSpPr txBox="1"/>
+          <p:nvPr/>
+        </p:nvSpPr>
+        <p:spPr>
+          <a:xfrm>
+            <a:off x="2286662" y="3974444"/>
+            <a:ext cx="1800200" cy="307777"/>
+          </a:xfrm>
+          <a:prstGeom prst="rect">
+            <a:avLst/>
+          </a:prstGeom>
+          <a:noFill/>
+        </p:spPr>
+        <p:txBody>
+          <a:bodyPr wrap="square" rtlCol="0">
+            <a:spAutoFit/>
+          </a:bodyPr>
+          <a:lstStyle/>
+          <a:p>
+            <a:r>
+              <a:rPr lang="en-CA" dirty="0" smtClean="0"/>
+              <a:t>Time Data</a:t>
+            </a:r>
+            <a:endParaRPr lang="en-CA" dirty="0"/>
+          </a:p>
+        </p:txBody>
+      </p:sp>
+      <p:sp>
+        <p:nvSpPr>
+          <p:cNvPr id="33" name="Google Shape;346;p17"/>
+          <p:cNvSpPr txBox="1">
+            <a:spLocks/>
+          </p:cNvSpPr>
+          <p:nvPr/>
+        </p:nvSpPr>
+        <p:spPr>
+          <a:xfrm>
+            <a:off x="222354" y="1367442"/>
+            <a:ext cx="8608329" cy="2932500"/>
+          </a:xfrm>
+          <a:prstGeom prst="rect">
+            <a:avLst/>
+          </a:prstGeom>
+          <a:noFill/>
+          <a:ln>
+            <a:noFill/>
+          </a:ln>
+        </p:spPr>
+        <p:txBody>
+          <a:bodyPr spcFirstLastPara="1" wrap="square" lIns="0" tIns="0" rIns="0" bIns="0" anchor="t" anchorCtr="0">
+            <a:noAutofit/>
+          </a:bodyPr>
+          <a:lstStyle>
+            <a:defPPr marR="0" lvl="0" algn="l" rtl="0">
+              <a:lnSpc>
+                <a:spcPct val="100000"/>
+              </a:lnSpc>
+              <a:spcBef>
+                <a:spcPts val="0"/>
+              </a:spcBef>
+              <a:spcAft>
+                <a:spcPts val="0"/>
+              </a:spcAft>
+            </a:defPPr>
+            <a:lvl1pPr marL="457200" marR="0" lvl="0" indent="-355600" algn="l" rtl="0">
+              <a:lnSpc>
+                <a:spcPct val="120000"/>
+              </a:lnSpc>
+              <a:spcBef>
+                <a:spcPts val="600"/>
+              </a:spcBef>
+              <a:spcAft>
+                <a:spcPts val="0"/>
+              </a:spcAft>
+              <a:buClr>
+                <a:schemeClr val="accent6"/>
+              </a:buClr>
+              <a:buSzPts val="2000"/>
+              <a:buFont typeface="Montserrat Light"/>
+              <a:buChar char="❑"/>
+              <a:defRPr sz="2000" b="0" i="0" u="none" strike="noStrike" cap="none">
+                <a:solidFill>
+                  <a:schemeClr val="dk1"/>
+                </a:solidFill>
+                <a:latin typeface="Montserrat Light"/>
+                <a:ea typeface="Montserrat Light"/>
+                <a:cs typeface="Montserrat Light"/>
+                <a:sym typeface="Montserrat Light"/>
+              </a:defRPr>
+            </a:lvl1pPr>
+            <a:lvl2pPr marL="914400" marR="0" lvl="1" indent="-355600" algn="l" rtl="0">
+              <a:lnSpc>
+                <a:spcPct val="120000"/>
+              </a:lnSpc>
+              <a:spcBef>
+                <a:spcPts val="600"/>
+              </a:spcBef>
+              <a:spcAft>
+                <a:spcPts val="0"/>
+              </a:spcAft>
+              <a:buClr>
+                <a:schemeClr val="accent6"/>
+              </a:buClr>
+              <a:buSzPts val="2000"/>
+              <a:buFont typeface="Montserrat Light"/>
+              <a:buChar char="❏"/>
+              <a:defRPr sz="2000" b="0" i="0" u="none" strike="noStrike" cap="none">
+                <a:solidFill>
+                  <a:schemeClr val="dk1"/>
+                </a:solidFill>
+                <a:latin typeface="Montserrat Light"/>
+                <a:ea typeface="Montserrat Light"/>
+                <a:cs typeface="Montserrat Light"/>
+                <a:sym typeface="Montserrat Light"/>
+              </a:defRPr>
+            </a:lvl2pPr>
+            <a:lvl3pPr marL="1371600" marR="0" lvl="2" indent="-355600" algn="l" rtl="0">
+              <a:lnSpc>
+                <a:spcPct val="120000"/>
+              </a:lnSpc>
+              <a:spcBef>
+                <a:spcPts val="600"/>
+              </a:spcBef>
+              <a:spcAft>
+                <a:spcPts val="0"/>
+              </a:spcAft>
+              <a:buClr>
+                <a:schemeClr val="accent6"/>
+              </a:buClr>
+              <a:buSzPts val="2000"/>
+              <a:buFont typeface="Montserrat Light"/>
+              <a:buChar char="❏"/>
+              <a:defRPr sz="2000" b="0" i="0" u="none" strike="noStrike" cap="none">
+                <a:solidFill>
+                  <a:schemeClr val="dk1"/>
+                </a:solidFill>
+                <a:latin typeface="Montserrat Light"/>
+                <a:ea typeface="Montserrat Light"/>
+                <a:cs typeface="Montserrat Light"/>
+                <a:sym typeface="Montserrat Light"/>
+              </a:defRPr>
+            </a:lvl3pPr>
+            <a:lvl4pPr marL="1828800" marR="0" lvl="3" indent="-355600" algn="l" rtl="0">
+              <a:lnSpc>
+                <a:spcPct val="120000"/>
+              </a:lnSpc>
+              <a:spcBef>
+                <a:spcPts val="600"/>
+              </a:spcBef>
+              <a:spcAft>
+                <a:spcPts val="0"/>
+              </a:spcAft>
+              <a:buClr>
+                <a:schemeClr val="accent6"/>
+              </a:buClr>
+              <a:buSzPts val="2000"/>
+              <a:buFont typeface="Montserrat Light"/>
+              <a:buChar char="❏"/>
+              <a:defRPr sz="2000" b="0" i="0" u="none" strike="noStrike" cap="none">
+                <a:solidFill>
+                  <a:schemeClr val="dk1"/>
+                </a:solidFill>
+                <a:latin typeface="Montserrat Light"/>
+                <a:ea typeface="Montserrat Light"/>
+                <a:cs typeface="Montserrat Light"/>
+                <a:sym typeface="Montserrat Light"/>
+              </a:defRPr>
+            </a:lvl4pPr>
+            <a:lvl5pPr marL="2286000" marR="0" lvl="4" indent="-355600" algn="l" rtl="0">
+              <a:lnSpc>
+                <a:spcPct val="120000"/>
+              </a:lnSpc>
+              <a:spcBef>
+                <a:spcPts val="600"/>
+              </a:spcBef>
+              <a:spcAft>
+                <a:spcPts val="0"/>
+              </a:spcAft>
+              <a:buClr>
+                <a:schemeClr val="accent6"/>
+              </a:buClr>
+              <a:buSzPts val="2000"/>
+              <a:buFont typeface="Montserrat Light"/>
+              <a:buChar char="❏"/>
+              <a:defRPr sz="2000" b="0" i="0" u="none" strike="noStrike" cap="none">
+                <a:solidFill>
+                  <a:schemeClr val="dk1"/>
+                </a:solidFill>
+                <a:latin typeface="Montserrat Light"/>
+                <a:ea typeface="Montserrat Light"/>
+                <a:cs typeface="Montserrat Light"/>
+                <a:sym typeface="Montserrat Light"/>
+              </a:defRPr>
+            </a:lvl5pPr>
+            <a:lvl6pPr marL="2743200" marR="0" lvl="5" indent="-355600" algn="l" rtl="0">
+              <a:lnSpc>
+                <a:spcPct val="120000"/>
+              </a:lnSpc>
+              <a:spcBef>
+                <a:spcPts val="600"/>
+              </a:spcBef>
+              <a:spcAft>
+                <a:spcPts val="0"/>
+              </a:spcAft>
+              <a:buClr>
+                <a:schemeClr val="accent6"/>
+              </a:buClr>
+              <a:buSzPts val="2000"/>
+              <a:buFont typeface="Montserrat Light"/>
+              <a:buChar char="❏"/>
+              <a:defRPr sz="2000" b="0" i="0" u="none" strike="noStrike" cap="none">
+                <a:solidFill>
+                  <a:schemeClr val="dk1"/>
+                </a:solidFill>
+                <a:latin typeface="Montserrat Light"/>
+                <a:ea typeface="Montserrat Light"/>
+                <a:cs typeface="Montserrat Light"/>
+                <a:sym typeface="Montserrat Light"/>
+              </a:defRPr>
+            </a:lvl6pPr>
+            <a:lvl7pPr marL="3200400" marR="0" lvl="6" indent="-355600" algn="l" rtl="0">
+              <a:lnSpc>
+                <a:spcPct val="120000"/>
+              </a:lnSpc>
+              <a:spcBef>
+                <a:spcPts val="600"/>
+              </a:spcBef>
+              <a:spcAft>
+                <a:spcPts val="0"/>
+              </a:spcAft>
+              <a:buClr>
+                <a:schemeClr val="accent6"/>
+              </a:buClr>
+              <a:buSzPts val="2000"/>
+              <a:buFont typeface="Montserrat Light"/>
+              <a:buChar char="❏"/>
+              <a:defRPr sz="2000" b="0" i="0" u="none" strike="noStrike" cap="none">
+                <a:solidFill>
+                  <a:schemeClr val="dk1"/>
+                </a:solidFill>
+                <a:latin typeface="Montserrat Light"/>
+                <a:ea typeface="Montserrat Light"/>
+                <a:cs typeface="Montserrat Light"/>
+                <a:sym typeface="Montserrat Light"/>
+              </a:defRPr>
+            </a:lvl7pPr>
+            <a:lvl8pPr marL="3657600" marR="0" lvl="7" indent="-355600" algn="l" rtl="0">
+              <a:lnSpc>
+                <a:spcPct val="120000"/>
+              </a:lnSpc>
+              <a:spcBef>
+                <a:spcPts val="600"/>
+              </a:spcBef>
+              <a:spcAft>
+                <a:spcPts val="0"/>
+              </a:spcAft>
+              <a:buClr>
+                <a:schemeClr val="accent6"/>
+              </a:buClr>
+              <a:buSzPts val="2000"/>
+              <a:buFont typeface="Montserrat Light"/>
+              <a:buChar char="❏"/>
+              <a:defRPr sz="2000" b="0" i="0" u="none" strike="noStrike" cap="none">
+                <a:solidFill>
+                  <a:schemeClr val="dk1"/>
+                </a:solidFill>
+                <a:latin typeface="Montserrat Light"/>
+                <a:ea typeface="Montserrat Light"/>
+                <a:cs typeface="Montserrat Light"/>
+                <a:sym typeface="Montserrat Light"/>
+              </a:defRPr>
+            </a:lvl8pPr>
+            <a:lvl9pPr marL="4114800" marR="0" lvl="8" indent="-355600" algn="l" rtl="0">
+              <a:lnSpc>
+                <a:spcPct val="120000"/>
+              </a:lnSpc>
+              <a:spcBef>
+                <a:spcPts val="600"/>
+              </a:spcBef>
+              <a:spcAft>
+                <a:spcPts val="0"/>
+              </a:spcAft>
+              <a:buClr>
+                <a:schemeClr val="accent6"/>
+              </a:buClr>
+              <a:buSzPts val="2000"/>
+              <a:buFont typeface="Montserrat Light"/>
+              <a:buChar char="❏"/>
+              <a:defRPr sz="2000" b="0" i="0" u="none" strike="noStrike" cap="none">
+                <a:solidFill>
+                  <a:schemeClr val="dk1"/>
+                </a:solidFill>
+                <a:latin typeface="Montserrat Light"/>
+                <a:ea typeface="Montserrat Light"/>
+                <a:cs typeface="Montserrat Light"/>
+                <a:sym typeface="Montserrat Light"/>
+              </a:defRPr>
+            </a:lvl9pPr>
+          </a:lstStyle>
+          <a:p>
+            <a:pPr>
+              <a:spcBef>
+                <a:spcPts val="0"/>
+              </a:spcBef>
+            </a:pPr>
+            <a:r>
+              <a:rPr lang="en-US" sz="1200" dirty="0" smtClean="0"/>
+              <a:t>Feature Importance extracted from Random Forrest on predicting # of incidents:</a:t>
+            </a:r>
+          </a:p>
+          <a:p>
+            <a:pPr>
+              <a:spcBef>
+                <a:spcPts val="0"/>
+              </a:spcBef>
+            </a:pPr>
+            <a:endParaRPr lang="en-US" sz="1600" dirty="0" smtClean="0"/>
+          </a:p>
+          <a:p>
+            <a:pPr>
+              <a:spcBef>
+                <a:spcPts val="0"/>
+              </a:spcBef>
+            </a:pPr>
+            <a:endParaRPr lang="en-US" sz="1600" dirty="0"/>
+          </a:p>
+        </p:txBody>
+      </p:sp>
+    </p:spTree>
+    <p:extLst>
+      <p:ext uri="{BB962C8B-B14F-4D97-AF65-F5344CB8AC3E}">
+        <p14:creationId xmlns:p14="http://schemas.microsoft.com/office/powerpoint/2010/main" val="3077462056"/>
+      </p:ext>
+    </p:extLst>
+  </p:cSld>
+  <p:clrMapOvr>
+    <a:masterClrMapping/>
+  </p:clrMapOvr>
+</p:sld>
+</file>
+
+<file path=ppt/slides/slide11.xml><?xml version="1.0" encoding="utf-8"?>
+<p:sld xmlns:a="http://schemas.openxmlformats.org/drawingml/2006/main" xmlns:r="http://schemas.openxmlformats.org/officeDocument/2006/relationships" xmlns:p="http://schemas.openxmlformats.org/presentationml/2006/main">
+  <p:cSld>
+    <p:spTree>
+      <p:nvGrpSpPr>
+        <p:cNvPr id="1" name="Shape 388"/>
+        <p:cNvGrpSpPr/>
+        <p:nvPr/>
+      </p:nvGrpSpPr>
+      <p:grpSpPr>
+        <a:xfrm>
+          <a:off x="0" y="0"/>
+          <a:ext cx="0" cy="0"/>
+          <a:chOff x="0" y="0"/>
+          <a:chExt cx="0" cy="0"/>
+        </a:xfrm>
+      </p:grpSpPr>
+      <p:sp>
+        <p:nvSpPr>
+          <p:cNvPr id="389" name="Google Shape;389;p21"/>
+          <p:cNvSpPr txBox="1">
+            <a:spLocks noGrp="1"/>
+          </p:cNvSpPr>
+          <p:nvPr>
+            <p:ph type="title"/>
+          </p:nvPr>
+        </p:nvSpPr>
+        <p:spPr>
+          <a:xfrm>
+            <a:off x="776450" y="402700"/>
+            <a:ext cx="3587400" cy="856800"/>
+          </a:xfrm>
+          <a:prstGeom prst="rect">
+            <a:avLst/>
+          </a:prstGeom>
+        </p:spPr>
+        <p:txBody>
+          <a:bodyPr spcFirstLastPara="1" wrap="square" lIns="0" tIns="0" rIns="0" bIns="0" anchor="b" anchorCtr="0">
+            <a:noAutofit/>
+          </a:bodyPr>
+          <a:lstStyle/>
+          <a:p>
+            <a:pPr marL="0" lvl="0" indent="0" algn="l" rtl="0">
+              <a:spcBef>
+                <a:spcPts val="0"/>
+              </a:spcBef>
+              <a:spcAft>
+                <a:spcPts val="0"/>
+              </a:spcAft>
+              <a:buNone/>
+            </a:pPr>
+            <a:r>
+              <a:rPr lang="en" dirty="0" smtClean="0"/>
+              <a:t>NEURAL NETWORK</a:t>
             </a:r>
             <a:endParaRPr dirty="0"/>
           </a:p>
@@ -5446,7 +6737,613 @@
             </a:pPr>
             <a:fld id="{00000000-1234-1234-1234-123412341234}" type="slidenum">
               <a:rPr lang="en"/>
-              <a:t>10</a:t>
+              <a:t>11</a:t>
+            </a:fld>
+            <a:endParaRPr/>
+          </a:p>
+        </p:txBody>
+      </p:sp>
+      <p:sp>
+        <p:nvSpPr>
+          <p:cNvPr id="6" name="Google Shape;346;p17"/>
+          <p:cNvSpPr txBox="1">
+            <a:spLocks/>
+          </p:cNvSpPr>
+          <p:nvPr/>
+        </p:nvSpPr>
+        <p:spPr>
+          <a:xfrm>
+            <a:off x="395536" y="1676775"/>
+            <a:ext cx="8424936" cy="2932500"/>
+          </a:xfrm>
+          <a:prstGeom prst="rect">
+            <a:avLst/>
+          </a:prstGeom>
+          <a:noFill/>
+          <a:ln>
+            <a:noFill/>
+          </a:ln>
+        </p:spPr>
+        <p:txBody>
+          <a:bodyPr spcFirstLastPara="1" wrap="square" lIns="0" tIns="0" rIns="0" bIns="0" anchor="t" anchorCtr="0">
+            <a:noAutofit/>
+          </a:bodyPr>
+          <a:lstStyle>
+            <a:defPPr marR="0" lvl="0" algn="l" rtl="0">
+              <a:lnSpc>
+                <a:spcPct val="100000"/>
+              </a:lnSpc>
+              <a:spcBef>
+                <a:spcPts val="0"/>
+              </a:spcBef>
+              <a:spcAft>
+                <a:spcPts val="0"/>
+              </a:spcAft>
+            </a:defPPr>
+            <a:lvl1pPr marL="457200" marR="0" lvl="0" indent="-355600" algn="l" rtl="0">
+              <a:lnSpc>
+                <a:spcPct val="120000"/>
+              </a:lnSpc>
+              <a:spcBef>
+                <a:spcPts val="600"/>
+              </a:spcBef>
+              <a:spcAft>
+                <a:spcPts val="0"/>
+              </a:spcAft>
+              <a:buClr>
+                <a:schemeClr val="accent6"/>
+              </a:buClr>
+              <a:buSzPts val="2000"/>
+              <a:buFont typeface="Montserrat Light"/>
+              <a:buChar char="❑"/>
+              <a:defRPr sz="2000" b="0" i="0" u="none" strike="noStrike" cap="none">
+                <a:solidFill>
+                  <a:schemeClr val="dk1"/>
+                </a:solidFill>
+                <a:latin typeface="Montserrat Light"/>
+                <a:ea typeface="Montserrat Light"/>
+                <a:cs typeface="Montserrat Light"/>
+                <a:sym typeface="Montserrat Light"/>
+              </a:defRPr>
+            </a:lvl1pPr>
+            <a:lvl2pPr marL="914400" marR="0" lvl="1" indent="-355600" algn="l" rtl="0">
+              <a:lnSpc>
+                <a:spcPct val="120000"/>
+              </a:lnSpc>
+              <a:spcBef>
+                <a:spcPts val="600"/>
+              </a:spcBef>
+              <a:spcAft>
+                <a:spcPts val="0"/>
+              </a:spcAft>
+              <a:buClr>
+                <a:schemeClr val="accent6"/>
+              </a:buClr>
+              <a:buSzPts val="2000"/>
+              <a:buFont typeface="Montserrat Light"/>
+              <a:buChar char="❏"/>
+              <a:defRPr sz="2000" b="0" i="0" u="none" strike="noStrike" cap="none">
+                <a:solidFill>
+                  <a:schemeClr val="dk1"/>
+                </a:solidFill>
+                <a:latin typeface="Montserrat Light"/>
+                <a:ea typeface="Montserrat Light"/>
+                <a:cs typeface="Montserrat Light"/>
+                <a:sym typeface="Montserrat Light"/>
+              </a:defRPr>
+            </a:lvl2pPr>
+            <a:lvl3pPr marL="1371600" marR="0" lvl="2" indent="-355600" algn="l" rtl="0">
+              <a:lnSpc>
+                <a:spcPct val="120000"/>
+              </a:lnSpc>
+              <a:spcBef>
+                <a:spcPts val="600"/>
+              </a:spcBef>
+              <a:spcAft>
+                <a:spcPts val="0"/>
+              </a:spcAft>
+              <a:buClr>
+                <a:schemeClr val="accent6"/>
+              </a:buClr>
+              <a:buSzPts val="2000"/>
+              <a:buFont typeface="Montserrat Light"/>
+              <a:buChar char="❏"/>
+              <a:defRPr sz="2000" b="0" i="0" u="none" strike="noStrike" cap="none">
+                <a:solidFill>
+                  <a:schemeClr val="dk1"/>
+                </a:solidFill>
+                <a:latin typeface="Montserrat Light"/>
+                <a:ea typeface="Montserrat Light"/>
+                <a:cs typeface="Montserrat Light"/>
+                <a:sym typeface="Montserrat Light"/>
+              </a:defRPr>
+            </a:lvl3pPr>
+            <a:lvl4pPr marL="1828800" marR="0" lvl="3" indent="-355600" algn="l" rtl="0">
+              <a:lnSpc>
+                <a:spcPct val="120000"/>
+              </a:lnSpc>
+              <a:spcBef>
+                <a:spcPts val="600"/>
+              </a:spcBef>
+              <a:spcAft>
+                <a:spcPts val="0"/>
+              </a:spcAft>
+              <a:buClr>
+                <a:schemeClr val="accent6"/>
+              </a:buClr>
+              <a:buSzPts val="2000"/>
+              <a:buFont typeface="Montserrat Light"/>
+              <a:buChar char="❏"/>
+              <a:defRPr sz="2000" b="0" i="0" u="none" strike="noStrike" cap="none">
+                <a:solidFill>
+                  <a:schemeClr val="dk1"/>
+                </a:solidFill>
+                <a:latin typeface="Montserrat Light"/>
+                <a:ea typeface="Montserrat Light"/>
+                <a:cs typeface="Montserrat Light"/>
+                <a:sym typeface="Montserrat Light"/>
+              </a:defRPr>
+            </a:lvl4pPr>
+            <a:lvl5pPr marL="2286000" marR="0" lvl="4" indent="-355600" algn="l" rtl="0">
+              <a:lnSpc>
+                <a:spcPct val="120000"/>
+              </a:lnSpc>
+              <a:spcBef>
+                <a:spcPts val="600"/>
+              </a:spcBef>
+              <a:spcAft>
+                <a:spcPts val="0"/>
+              </a:spcAft>
+              <a:buClr>
+                <a:schemeClr val="accent6"/>
+              </a:buClr>
+              <a:buSzPts val="2000"/>
+              <a:buFont typeface="Montserrat Light"/>
+              <a:buChar char="❏"/>
+              <a:defRPr sz="2000" b="0" i="0" u="none" strike="noStrike" cap="none">
+                <a:solidFill>
+                  <a:schemeClr val="dk1"/>
+                </a:solidFill>
+                <a:latin typeface="Montserrat Light"/>
+                <a:ea typeface="Montserrat Light"/>
+                <a:cs typeface="Montserrat Light"/>
+                <a:sym typeface="Montserrat Light"/>
+              </a:defRPr>
+            </a:lvl5pPr>
+            <a:lvl6pPr marL="2743200" marR="0" lvl="5" indent="-355600" algn="l" rtl="0">
+              <a:lnSpc>
+                <a:spcPct val="120000"/>
+              </a:lnSpc>
+              <a:spcBef>
+                <a:spcPts val="600"/>
+              </a:spcBef>
+              <a:spcAft>
+                <a:spcPts val="0"/>
+              </a:spcAft>
+              <a:buClr>
+                <a:schemeClr val="accent6"/>
+              </a:buClr>
+              <a:buSzPts val="2000"/>
+              <a:buFont typeface="Montserrat Light"/>
+              <a:buChar char="❏"/>
+              <a:defRPr sz="2000" b="0" i="0" u="none" strike="noStrike" cap="none">
+                <a:solidFill>
+                  <a:schemeClr val="dk1"/>
+                </a:solidFill>
+                <a:latin typeface="Montserrat Light"/>
+                <a:ea typeface="Montserrat Light"/>
+                <a:cs typeface="Montserrat Light"/>
+                <a:sym typeface="Montserrat Light"/>
+              </a:defRPr>
+            </a:lvl6pPr>
+            <a:lvl7pPr marL="3200400" marR="0" lvl="6" indent="-355600" algn="l" rtl="0">
+              <a:lnSpc>
+                <a:spcPct val="120000"/>
+              </a:lnSpc>
+              <a:spcBef>
+                <a:spcPts val="600"/>
+              </a:spcBef>
+              <a:spcAft>
+                <a:spcPts val="0"/>
+              </a:spcAft>
+              <a:buClr>
+                <a:schemeClr val="accent6"/>
+              </a:buClr>
+              <a:buSzPts val="2000"/>
+              <a:buFont typeface="Montserrat Light"/>
+              <a:buChar char="❏"/>
+              <a:defRPr sz="2000" b="0" i="0" u="none" strike="noStrike" cap="none">
+                <a:solidFill>
+                  <a:schemeClr val="dk1"/>
+                </a:solidFill>
+                <a:latin typeface="Montserrat Light"/>
+                <a:ea typeface="Montserrat Light"/>
+                <a:cs typeface="Montserrat Light"/>
+                <a:sym typeface="Montserrat Light"/>
+              </a:defRPr>
+            </a:lvl7pPr>
+            <a:lvl8pPr marL="3657600" marR="0" lvl="7" indent="-355600" algn="l" rtl="0">
+              <a:lnSpc>
+                <a:spcPct val="120000"/>
+              </a:lnSpc>
+              <a:spcBef>
+                <a:spcPts val="600"/>
+              </a:spcBef>
+              <a:spcAft>
+                <a:spcPts val="0"/>
+              </a:spcAft>
+              <a:buClr>
+                <a:schemeClr val="accent6"/>
+              </a:buClr>
+              <a:buSzPts val="2000"/>
+              <a:buFont typeface="Montserrat Light"/>
+              <a:buChar char="❏"/>
+              <a:defRPr sz="2000" b="0" i="0" u="none" strike="noStrike" cap="none">
+                <a:solidFill>
+                  <a:schemeClr val="dk1"/>
+                </a:solidFill>
+                <a:latin typeface="Montserrat Light"/>
+                <a:ea typeface="Montserrat Light"/>
+                <a:cs typeface="Montserrat Light"/>
+                <a:sym typeface="Montserrat Light"/>
+              </a:defRPr>
+            </a:lvl8pPr>
+            <a:lvl9pPr marL="4114800" marR="0" lvl="8" indent="-355600" algn="l" rtl="0">
+              <a:lnSpc>
+                <a:spcPct val="120000"/>
+              </a:lnSpc>
+              <a:spcBef>
+                <a:spcPts val="600"/>
+              </a:spcBef>
+              <a:spcAft>
+                <a:spcPts val="0"/>
+              </a:spcAft>
+              <a:buClr>
+                <a:schemeClr val="accent6"/>
+              </a:buClr>
+              <a:buSzPts val="2000"/>
+              <a:buFont typeface="Montserrat Light"/>
+              <a:buChar char="❏"/>
+              <a:defRPr sz="2000" b="0" i="0" u="none" strike="noStrike" cap="none">
+                <a:solidFill>
+                  <a:schemeClr val="dk1"/>
+                </a:solidFill>
+                <a:latin typeface="Montserrat Light"/>
+                <a:ea typeface="Montserrat Light"/>
+                <a:cs typeface="Montserrat Light"/>
+                <a:sym typeface="Montserrat Light"/>
+              </a:defRPr>
+            </a:lvl9pPr>
+          </a:lstStyle>
+          <a:p>
+            <a:pPr>
+              <a:spcBef>
+                <a:spcPts val="0"/>
+              </a:spcBef>
+            </a:pPr>
+            <a:r>
+              <a:rPr lang="en-US" sz="1600" dirty="0" smtClean="0"/>
+              <a:t>DNN performed only marginally better than the statistical classifiers for predicting # of incidents (MAE=2.02)</a:t>
+            </a:r>
+          </a:p>
+          <a:p>
+            <a:pPr>
+              <a:spcBef>
+                <a:spcPts val="0"/>
+              </a:spcBef>
+            </a:pPr>
+            <a:endParaRPr lang="en-US" sz="1600" dirty="0" smtClean="0"/>
+          </a:p>
+          <a:p>
+            <a:pPr>
+              <a:spcBef>
+                <a:spcPts val="0"/>
+              </a:spcBef>
+            </a:pPr>
+            <a:endParaRPr lang="en-US" sz="1600" dirty="0"/>
+          </a:p>
+        </p:txBody>
+      </p:sp>
+      <p:pic>
+        <p:nvPicPr>
+          <p:cNvPr id="2" name="Picture 1"/>
+          <p:cNvPicPr>
+            <a:picLocks noChangeAspect="1"/>
+          </p:cNvPicPr>
+          <p:nvPr/>
+        </p:nvPicPr>
+        <p:blipFill>
+          <a:blip r:embed="rId3">
+            <a:extLst>
+              <a:ext uri="{28A0092B-C50C-407E-A947-70E740481C1C}">
+                <a14:useLocalDpi xmlns:a14="http://schemas.microsoft.com/office/drawing/2010/main" val="0"/>
+              </a:ext>
+            </a:extLst>
+          </a:blip>
+          <a:stretch>
+            <a:fillRect/>
+          </a:stretch>
+        </p:blipFill>
+        <p:spPr>
+          <a:xfrm>
+            <a:off x="4716016" y="2355724"/>
+            <a:ext cx="3893960" cy="2616741"/>
+          </a:xfrm>
+          <a:prstGeom prst="rect">
+            <a:avLst/>
+          </a:prstGeom>
+        </p:spPr>
+      </p:pic>
+      <p:sp>
+        <p:nvSpPr>
+          <p:cNvPr id="3" name="TextBox 2"/>
+          <p:cNvSpPr txBox="1"/>
+          <p:nvPr/>
+        </p:nvSpPr>
+        <p:spPr>
+          <a:xfrm>
+            <a:off x="395536" y="2556553"/>
+            <a:ext cx="4036269" cy="2062103"/>
+          </a:xfrm>
+          <a:prstGeom prst="rect">
+            <a:avLst/>
+          </a:prstGeom>
+          <a:solidFill>
+            <a:schemeClr val="bg1"/>
+          </a:solidFill>
+        </p:spPr>
+        <p:txBody>
+          <a:bodyPr wrap="square" rtlCol="0">
+            <a:spAutoFit/>
+          </a:bodyPr>
+          <a:lstStyle/>
+          <a:p>
+            <a:r>
+              <a:rPr lang="en-CA" sz="800" dirty="0"/>
+              <a:t>_________________________________________________________________</a:t>
+            </a:r>
+          </a:p>
+          <a:p>
+            <a:r>
+              <a:rPr lang="en-CA" sz="800" dirty="0"/>
+              <a:t>Layer (type)                 Output Shape              </a:t>
+            </a:r>
+            <a:r>
+              <a:rPr lang="en-CA" sz="800" dirty="0" err="1"/>
+              <a:t>Param</a:t>
+            </a:r>
+            <a:r>
+              <a:rPr lang="en-CA" sz="800" dirty="0"/>
+              <a:t> #   </a:t>
+            </a:r>
+          </a:p>
+          <a:p>
+            <a:r>
+              <a:rPr lang="en-CA" sz="800" dirty="0"/>
+              <a:t>=================================================================</a:t>
+            </a:r>
+          </a:p>
+          <a:p>
+            <a:r>
+              <a:rPr lang="en-CA" sz="800" dirty="0"/>
+              <a:t>dense_1 (Dense)              (None, 200)               8800      </a:t>
+            </a:r>
+          </a:p>
+          <a:p>
+            <a:r>
+              <a:rPr lang="en-CA" sz="800" dirty="0"/>
+              <a:t>_________________________________________________________________</a:t>
+            </a:r>
+          </a:p>
+          <a:p>
+            <a:r>
+              <a:rPr lang="en-CA" sz="800" dirty="0"/>
+              <a:t>dropout_1 (Dropout)          (None, 200)               0         </a:t>
+            </a:r>
+          </a:p>
+          <a:p>
+            <a:r>
+              <a:rPr lang="en-CA" sz="800" dirty="0"/>
+              <a:t>_________________________________________________________________</a:t>
+            </a:r>
+          </a:p>
+          <a:p>
+            <a:r>
+              <a:rPr lang="en-CA" sz="800" dirty="0"/>
+              <a:t>dense_2 (Dense)              (None, 250)               50250     </a:t>
+            </a:r>
+          </a:p>
+          <a:p>
+            <a:r>
+              <a:rPr lang="en-CA" sz="800" dirty="0"/>
+              <a:t>_________________________________________________________________</a:t>
+            </a:r>
+          </a:p>
+          <a:p>
+            <a:r>
+              <a:rPr lang="en-CA" sz="800" dirty="0"/>
+              <a:t>dropout_2 (Dropout)          (None, 250)               0         </a:t>
+            </a:r>
+          </a:p>
+          <a:p>
+            <a:r>
+              <a:rPr lang="en-CA" sz="800" dirty="0"/>
+              <a:t>_________________________________________________________________</a:t>
+            </a:r>
+          </a:p>
+          <a:p>
+            <a:r>
+              <a:rPr lang="en-CA" sz="800" dirty="0"/>
+              <a:t>dense_3 (Dense)              (None, 1)                 251       </a:t>
+            </a:r>
+          </a:p>
+          <a:p>
+            <a:r>
+              <a:rPr lang="en-CA" sz="800" dirty="0"/>
+              <a:t>=================================================================</a:t>
+            </a:r>
+          </a:p>
+          <a:p>
+            <a:r>
+              <a:rPr lang="en-CA" sz="800" dirty="0"/>
+              <a:t>Total </a:t>
+            </a:r>
+            <a:r>
+              <a:rPr lang="en-CA" sz="800" dirty="0" err="1"/>
+              <a:t>params</a:t>
+            </a:r>
+            <a:r>
+              <a:rPr lang="en-CA" sz="800" dirty="0"/>
+              <a:t>: 59,301</a:t>
+            </a:r>
+          </a:p>
+          <a:p>
+            <a:r>
+              <a:rPr lang="en-CA" sz="800" dirty="0"/>
+              <a:t>Trainable </a:t>
+            </a:r>
+            <a:r>
+              <a:rPr lang="en-CA" sz="800" dirty="0" err="1"/>
+              <a:t>params</a:t>
+            </a:r>
+            <a:r>
+              <a:rPr lang="en-CA" sz="800" dirty="0"/>
+              <a:t>: 59,301</a:t>
+            </a:r>
+          </a:p>
+          <a:p>
+            <a:r>
+              <a:rPr lang="en-CA" sz="800" dirty="0"/>
+              <a:t>Non-trainable </a:t>
+            </a:r>
+            <a:r>
+              <a:rPr lang="en-CA" sz="800" dirty="0" err="1"/>
+              <a:t>params</a:t>
+            </a:r>
+            <a:r>
+              <a:rPr lang="en-CA" sz="800" dirty="0"/>
+              <a:t>: 0</a:t>
+            </a:r>
+          </a:p>
+        </p:txBody>
+      </p:sp>
+    </p:spTree>
+    <p:extLst>
+      <p:ext uri="{BB962C8B-B14F-4D97-AF65-F5344CB8AC3E}">
+        <p14:creationId xmlns:p14="http://schemas.microsoft.com/office/powerpoint/2010/main" val="4133497895"/>
+      </p:ext>
+    </p:extLst>
+  </p:cSld>
+  <p:clrMapOvr>
+    <a:masterClrMapping/>
+  </p:clrMapOvr>
+</p:sld>
+</file>
+
+<file path=ppt/slides/slide12.xml><?xml version="1.0" encoding="utf-8"?>
+<p:sld xmlns:a="http://schemas.openxmlformats.org/drawingml/2006/main" xmlns:r="http://schemas.openxmlformats.org/officeDocument/2006/relationships" xmlns:p="http://schemas.openxmlformats.org/presentationml/2006/main">
+  <p:cSld>
+    <p:spTree>
+      <p:nvGrpSpPr>
+        <p:cNvPr id="1" name="Shape 388"/>
+        <p:cNvGrpSpPr/>
+        <p:nvPr/>
+      </p:nvGrpSpPr>
+      <p:grpSpPr>
+        <a:xfrm>
+          <a:off x="0" y="0"/>
+          <a:ext cx="0" cy="0"/>
+          <a:chOff x="0" y="0"/>
+          <a:chExt cx="0" cy="0"/>
+        </a:xfrm>
+      </p:grpSpPr>
+      <p:sp>
+        <p:nvSpPr>
+          <p:cNvPr id="389" name="Google Shape;389;p21"/>
+          <p:cNvSpPr txBox="1">
+            <a:spLocks noGrp="1"/>
+          </p:cNvSpPr>
+          <p:nvPr>
+            <p:ph type="title"/>
+          </p:nvPr>
+        </p:nvSpPr>
+        <p:spPr>
+          <a:xfrm>
+            <a:off x="755576" y="411510"/>
+            <a:ext cx="5739766" cy="856800"/>
+          </a:xfrm>
+          <a:prstGeom prst="rect">
+            <a:avLst/>
+          </a:prstGeom>
+        </p:spPr>
+        <p:txBody>
+          <a:bodyPr spcFirstLastPara="1" wrap="square" lIns="0" tIns="0" rIns="0" bIns="0" anchor="b" anchorCtr="0">
+            <a:noAutofit/>
+          </a:bodyPr>
+          <a:lstStyle/>
+          <a:p>
+            <a:pPr marL="0" lvl="0" indent="0" algn="l" rtl="0">
+              <a:spcBef>
+                <a:spcPts val="0"/>
+              </a:spcBef>
+              <a:spcAft>
+                <a:spcPts val="0"/>
+              </a:spcAft>
+              <a:buNone/>
+            </a:pPr>
+            <a:r>
+              <a:rPr lang="en" dirty="0" smtClean="0"/>
+              <a:t>FORECASTING: </a:t>
+            </a:r>
+            <a:r>
+              <a:rPr lang="en" dirty="0" smtClean="0"/>
+              <a:t>BIGRAS-ISLAND, </a:t>
+            </a:r>
+            <a:r>
+              <a:rPr lang="en" dirty="0" smtClean="0"/>
+              <a:t>MONTREAL, QC</a:t>
+            </a:r>
+            <a:endParaRPr dirty="0"/>
+          </a:p>
+        </p:txBody>
+      </p:sp>
+      <p:sp>
+        <p:nvSpPr>
+          <p:cNvPr id="391" name="Google Shape;391;p21"/>
+          <p:cNvSpPr txBox="1">
+            <a:spLocks noGrp="1"/>
+          </p:cNvSpPr>
+          <p:nvPr>
+            <p:ph type="sldNum" idx="12"/>
+          </p:nvPr>
+        </p:nvSpPr>
+        <p:spPr>
+          <a:xfrm>
+            <a:off x="8729400" y="4734075"/>
+            <a:ext cx="414600" cy="409500"/>
+          </a:xfrm>
+          <a:prstGeom prst="rect">
+            <a:avLst/>
+          </a:prstGeom>
+        </p:spPr>
+        <p:txBody>
+          <a:bodyPr spcFirstLastPara="1" wrap="square" lIns="0" tIns="0" rIns="0" bIns="0" anchor="ctr" anchorCtr="0">
+            <a:noAutofit/>
+          </a:bodyPr>
+          <a:lstStyle/>
+          <a:p>
+            <a:pPr marL="0" lvl="0" indent="0" algn="ctr" rtl="0">
+              <a:spcBef>
+                <a:spcPts val="0"/>
+              </a:spcBef>
+              <a:spcAft>
+                <a:spcPts val="0"/>
+              </a:spcAft>
+              <a:buNone/>
+            </a:pPr>
+            <a:fld id="{00000000-1234-1234-1234-123412341234}" type="slidenum">
+              <a:rPr lang="en"/>
+              <a:t>12</a:t>
             </a:fld>
             <a:endParaRPr/>
           </a:p>
@@ -5732,15 +7629,15 @@
             </a:pPr>
             <a:r>
               <a:rPr lang="en-US" sz="1600" dirty="0" smtClean="0"/>
-              <a:t>In Angus – yearly accidents are expected </a:t>
+              <a:t>In </a:t>
             </a:r>
             <a:r>
-              <a:rPr lang="en-US" sz="1600" dirty="0"/>
-              <a:t>to raise from 5829 </a:t>
+              <a:rPr lang="en-US" sz="1600" dirty="0" err="1" smtClean="0"/>
+              <a:t>Bigras</a:t>
             </a:r>
             <a:r>
               <a:rPr lang="en-US" sz="1600" dirty="0" smtClean="0"/>
-              <a:t>to 5838 due to Climate Change</a:t>
+              <a:t>-Island – Vehicular incidents are expected to rise by 13%</a:t>
             </a:r>
             <a:endParaRPr lang="en-US" sz="1600" dirty="0" smtClean="0"/>
           </a:p>
@@ -5764,7 +7661,7 @@
       </p:sp>
       <p:pic>
         <p:nvPicPr>
-          <p:cNvPr id="2050" name="Picture 2"/>
+          <p:cNvPr id="2" name="Picture 2"/>
           <p:cNvPicPr>
             <a:picLocks noChangeAspect="1" noChangeArrowheads="1"/>
           </p:cNvPicPr>
@@ -5785,8 +7682,8 @@
         </p:blipFill>
         <p:spPr bwMode="auto">
           <a:xfrm>
-            <a:off x="467544" y="2499742"/>
-            <a:ext cx="3762557" cy="1897509"/>
+            <a:off x="323528" y="2211710"/>
+            <a:ext cx="4565508" cy="2304256"/>
           </a:xfrm>
           <a:prstGeom prst="rect">
             <a:avLst/>
@@ -5828,7 +7725,7 @@
       </p:pic>
       <p:pic>
         <p:nvPicPr>
-          <p:cNvPr id="4" name="Picture 3"/>
+          <p:cNvPr id="3" name="Picture 2"/>
           <p:cNvPicPr>
             <a:picLocks noChangeAspect="1"/>
           </p:cNvPicPr>
@@ -5848,8 +7745,8 @@
         </p:blipFill>
         <p:spPr>
           <a:xfrm>
-            <a:off x="4499992" y="1970824"/>
-            <a:ext cx="4231027" cy="2955341"/>
+            <a:off x="5241154" y="2102192"/>
+            <a:ext cx="3551463" cy="2557790"/>
           </a:xfrm>
           <a:prstGeom prst="rect">
             <a:avLst/>
@@ -5869,7 +7766,7 @@
 </p:sld>
 </file>
 
-<file path=ppt/slides/slide11.xml><?xml version="1.0" encoding="utf-8"?>
+<file path=ppt/slides/slide13.xml><?xml version="1.0" encoding="utf-8"?>
 <p:sld xmlns:a="http://schemas.openxmlformats.org/drawingml/2006/main" xmlns:r="http://schemas.openxmlformats.org/officeDocument/2006/relationships" xmlns:p="http://schemas.openxmlformats.org/presentationml/2006/main">
   <p:cSld>
     <p:spTree>
@@ -5922,7 +7819,7 @@
             </a:pPr>
             <a:r>
               <a:rPr lang="en" dirty="0" smtClean="0"/>
-              <a:t>NEXT STEPS</a:t>
+              <a:t>CHALLENGES</a:t>
             </a:r>
             <a:endParaRPr dirty="0"/>
           </a:p>
@@ -5953,69 +7850,51 @@
           </a:bodyPr>
           <a:lstStyle/>
           <a:p>
-            <a:pPr marL="457200" lvl="0" indent="-355600" algn="l" rtl="0">
-              <a:spcBef>
-                <a:spcPts val="0"/>
-              </a:spcBef>
-              <a:spcAft>
-                <a:spcPts val="0"/>
-              </a:spcAft>
-              <a:buSzPts val="2000"/>
-              <a:buChar char="❑"/>
+            <a:pPr lvl="0">
+              <a:spcBef>
+                <a:spcPts val="0"/>
+              </a:spcBef>
             </a:pPr>
             <a:r>
-              <a:rPr lang="en-CA" dirty="0" smtClean="0"/>
-              <a:t>Continue tuning these algorithms</a:t>
+              <a:rPr lang="en-US" dirty="0"/>
+              <a:t>Interpretation of our features from climatedata.ca – Difficult User-Friendly interpretation. </a:t>
             </a:r>
           </a:p>
           <a:p>
-            <a:pPr marL="457200" lvl="0" indent="-355600" algn="l" rtl="0">
-              <a:spcBef>
-                <a:spcPts val="0"/>
-              </a:spcBef>
-              <a:spcAft>
-                <a:spcPts val="0"/>
-              </a:spcAft>
-              <a:buSzPts val="2000"/>
-              <a:buChar char="❑"/>
+            <a:pPr lvl="0">
+              <a:spcBef>
+                <a:spcPts val="0"/>
+              </a:spcBef>
             </a:pPr>
             <a:r>
-              <a:rPr lang="en-CA" dirty="0" smtClean="0"/>
-              <a:t>Expand the number of grids considered to other locations (all of Canada?)</a:t>
+              <a:rPr lang="en-US" dirty="0"/>
+              <a:t>Computational Expensive </a:t>
             </a:r>
-          </a:p>
-          <a:p>
-            <a:pPr marL="457200" lvl="0" indent="-355600" algn="l" rtl="0">
-              <a:spcBef>
-                <a:spcPts val="0"/>
-              </a:spcBef>
-              <a:spcAft>
-                <a:spcPts val="0"/>
-              </a:spcAft>
-              <a:buSzPts val="2000"/>
-              <a:buChar char="❑"/>
+            <a:r>
+              <a:rPr lang="en-US" dirty="0" err="1"/>
+              <a:t>Regressor</a:t>
+            </a:r>
+            <a:r>
+              <a:rPr lang="en-US" dirty="0"/>
+              <a:t> Models – Gradient </a:t>
+            </a:r>
+            <a:r>
+              <a:rPr lang="en-US" dirty="0" smtClean="0"/>
+              <a:t>Boosting, Forests, and DNN</a:t>
+            </a:r>
+            <a:endParaRPr lang="en-US" dirty="0"/>
+          </a:p>
+          <a:p>
+            <a:pPr lvl="0">
+              <a:spcBef>
+                <a:spcPts val="0"/>
+              </a:spcBef>
             </a:pPr>
             <a:r>
-              <a:rPr lang="en-CA" dirty="0" smtClean="0"/>
-              <a:t>Investigate CNNs on the grids</a:t>
+              <a:rPr lang="en-US" dirty="0" smtClean="0"/>
+              <a:t>Merging two datasets of entirely different formats</a:t>
             </a:r>
-          </a:p>
-          <a:p>
-            <a:pPr marL="457200" lvl="0" indent="-355600" algn="l" rtl="0">
-              <a:spcBef>
-                <a:spcPts val="0"/>
-              </a:spcBef>
-              <a:spcAft>
-                <a:spcPts val="0"/>
-              </a:spcAft>
-              <a:buSzPts val="2000"/>
-              <a:buChar char="❑"/>
-            </a:pPr>
-            <a:r>
-              <a:rPr lang="en-CA" dirty="0" smtClean="0"/>
-              <a:t>Construct a report alerting the public of the dangers of Climate Change and how it will affect driving conditions</a:t>
-            </a:r>
-            <a:endParaRPr dirty="0"/>
+            <a:endParaRPr lang="en-US" dirty="0"/>
           </a:p>
         </p:txBody>
       </p:sp>
@@ -6055,7 +7934,212 @@
             </a:pPr>
             <a:fld id="{00000000-1234-1234-1234-123412341234}" type="slidenum">
               <a:rPr lang="en"/>
-              <a:t>11</a:t>
+              <a:t>13</a:t>
+            </a:fld>
+            <a:endParaRPr/>
+          </a:p>
+        </p:txBody>
+      </p:sp>
+    </p:spTree>
+    <p:extLst>
+      <p:ext uri="{BB962C8B-B14F-4D97-AF65-F5344CB8AC3E}">
+        <p14:creationId xmlns:p14="http://schemas.microsoft.com/office/powerpoint/2010/main" val="192103269"/>
+      </p:ext>
+    </p:extLst>
+  </p:cSld>
+  <p:clrMapOvr>
+    <a:masterClrMapping/>
+  </p:clrMapOvr>
+</p:sld>
+</file>
+
+<file path=ppt/slides/slide14.xml><?xml version="1.0" encoding="utf-8"?>
+<p:sld xmlns:a="http://schemas.openxmlformats.org/drawingml/2006/main" xmlns:r="http://schemas.openxmlformats.org/officeDocument/2006/relationships" xmlns:p="http://schemas.openxmlformats.org/presentationml/2006/main">
+  <p:cSld>
+    <p:spTree>
+      <p:nvGrpSpPr>
+        <p:cNvPr id="1" name="Shape 344"/>
+        <p:cNvGrpSpPr/>
+        <p:nvPr/>
+      </p:nvGrpSpPr>
+      <p:grpSpPr>
+        <a:xfrm>
+          <a:off x="0" y="0"/>
+          <a:ext cx="0" cy="0"/>
+          <a:chOff x="0" y="0"/>
+          <a:chExt cx="0" cy="0"/>
+        </a:xfrm>
+      </p:grpSpPr>
+      <p:sp>
+        <p:nvSpPr>
+          <p:cNvPr id="345" name="Google Shape;345;p17"/>
+          <p:cNvSpPr txBox="1">
+            <a:spLocks noGrp="1"/>
+          </p:cNvSpPr>
+          <p:nvPr>
+            <p:ph type="title"/>
+          </p:nvPr>
+        </p:nvSpPr>
+        <p:spPr>
+          <a:xfrm>
+            <a:off x="776450" y="402700"/>
+            <a:ext cx="3587400" cy="856800"/>
+          </a:xfrm>
+          <a:prstGeom prst="rect">
+            <a:avLst/>
+          </a:prstGeom>
+        </p:spPr>
+        <p:txBody>
+          <a:bodyPr spcFirstLastPara="1" wrap="square" lIns="0" tIns="0" rIns="0" bIns="0" anchor="b" anchorCtr="0">
+            <a:noAutofit/>
+          </a:bodyPr>
+          <a:lstStyle/>
+          <a:p>
+            <a:pPr marL="0" lvl="0" indent="0" algn="l" rtl="0">
+              <a:spcBef>
+                <a:spcPts val="0"/>
+              </a:spcBef>
+              <a:spcAft>
+                <a:spcPts val="0"/>
+              </a:spcAft>
+              <a:buNone/>
+            </a:pPr>
+            <a:r>
+              <a:rPr lang="en" dirty="0" smtClean="0"/>
+              <a:t>NEXT STEPS</a:t>
+            </a:r>
+            <a:endParaRPr dirty="0"/>
+          </a:p>
+        </p:txBody>
+      </p:sp>
+      <p:sp>
+        <p:nvSpPr>
+          <p:cNvPr id="346" name="Google Shape;346;p17"/>
+          <p:cNvSpPr txBox="1">
+            <a:spLocks noGrp="1"/>
+          </p:cNvSpPr>
+          <p:nvPr>
+            <p:ph type="body" idx="1"/>
+          </p:nvPr>
+        </p:nvSpPr>
+        <p:spPr>
+          <a:xfrm>
+            <a:off x="776450" y="1524375"/>
+            <a:ext cx="7591200" cy="2932500"/>
+          </a:xfrm>
+          <a:prstGeom prst="rect">
+            <a:avLst/>
+          </a:prstGeom>
+        </p:spPr>
+        <p:txBody>
+          <a:bodyPr spcFirstLastPara="1" wrap="square" lIns="0" tIns="0" rIns="0" bIns="0" anchor="t" anchorCtr="0">
+            <a:noAutofit/>
+          </a:bodyPr>
+          <a:lstStyle/>
+          <a:p>
+            <a:pPr marL="457200" lvl="0" indent="-355600" algn="l" rtl="0">
+              <a:spcBef>
+                <a:spcPts val="0"/>
+              </a:spcBef>
+              <a:spcAft>
+                <a:spcPts val="0"/>
+              </a:spcAft>
+              <a:buSzPts val="2000"/>
+              <a:buChar char="❑"/>
+            </a:pPr>
+            <a:r>
+              <a:rPr lang="en-CA" dirty="0" smtClean="0"/>
+              <a:t>Continue tuning these algorithms</a:t>
+            </a:r>
+          </a:p>
+          <a:p>
+            <a:pPr marL="457200" lvl="0" indent="-355600" algn="l" rtl="0">
+              <a:spcBef>
+                <a:spcPts val="0"/>
+              </a:spcBef>
+              <a:spcAft>
+                <a:spcPts val="0"/>
+              </a:spcAft>
+              <a:buSzPts val="2000"/>
+              <a:buChar char="❑"/>
+            </a:pPr>
+            <a:r>
+              <a:rPr lang="en-CA" dirty="0" smtClean="0"/>
+              <a:t>Expand the number of grids considered to other locations (all of Canada?)</a:t>
+            </a:r>
+          </a:p>
+          <a:p>
+            <a:pPr marL="457200" lvl="0" indent="-355600" algn="l" rtl="0">
+              <a:spcBef>
+                <a:spcPts val="0"/>
+              </a:spcBef>
+              <a:spcAft>
+                <a:spcPts val="0"/>
+              </a:spcAft>
+              <a:buSzPts val="2000"/>
+              <a:buChar char="❑"/>
+            </a:pPr>
+            <a:r>
+              <a:rPr lang="en-CA" dirty="0" smtClean="0"/>
+              <a:t>Investigate CNNs on the grids</a:t>
+            </a:r>
+          </a:p>
+          <a:p>
+            <a:pPr marL="457200" lvl="0" indent="-355600" algn="l" rtl="0">
+              <a:spcBef>
+                <a:spcPts val="0"/>
+              </a:spcBef>
+              <a:spcAft>
+                <a:spcPts val="0"/>
+              </a:spcAft>
+              <a:buSzPts val="2000"/>
+              <a:buChar char="❑"/>
+            </a:pPr>
+            <a:r>
+              <a:rPr lang="en-CA" dirty="0" smtClean="0"/>
+              <a:t>Construct a report alerting the public of the dangers of Climate Change and how it will affect driving conditions</a:t>
+            </a:r>
+            <a:endParaRPr dirty="0"/>
+          </a:p>
+        </p:txBody>
+      </p:sp>
+      <p:sp>
+        <p:nvSpPr>
+          <p:cNvPr id="347" name="Google Shape;347;p17"/>
+          <p:cNvSpPr txBox="1">
+            <a:spLocks noGrp="1"/>
+          </p:cNvSpPr>
+          <p:nvPr>
+            <p:ph type="sldNum" idx="12"/>
+          </p:nvPr>
+        </p:nvSpPr>
+        <p:spPr>
+          <a:xfrm>
+            <a:off x="8729400" y="4734075"/>
+            <a:ext cx="414600" cy="409500"/>
+          </a:xfrm>
+          <a:prstGeom prst="rect">
+            <a:avLst/>
+          </a:prstGeom>
+        </p:spPr>
+        <p:txBody>
+          <a:bodyPr spcFirstLastPara="1" wrap="square" lIns="0" tIns="0" rIns="0" bIns="0" anchor="ctr" anchorCtr="0">
+            <a:noAutofit/>
+          </a:bodyPr>
+          <a:lstStyle/>
+          <a:p>
+            <a:pPr marL="0" lvl="0" indent="0" algn="ctr" rtl="0">
+              <a:spcBef>
+                <a:spcPts val="0"/>
+              </a:spcBef>
+              <a:spcAft>
+                <a:spcPts val="0"/>
+              </a:spcAft>
+              <a:buNone/>
+            </a:pPr>
+            <a:fld id="{00000000-1234-1234-1234-123412341234}" type="slidenum">
+              <a:rPr lang="en"/>
+              <a:t>14</a:t>
             </a:fld>
             <a:endParaRPr/>
           </a:p>
@@ -6074,7 +8158,7 @@
 </p:sld>
 </file>
 
-<file path=ppt/slides/slide12.xml><?xml version="1.0" encoding="utf-8"?>
+<file path=ppt/slides/slide15.xml><?xml version="1.0" encoding="utf-8"?>
 <p:sld xmlns:a="http://schemas.openxmlformats.org/drawingml/2006/main" xmlns:r="http://schemas.openxmlformats.org/officeDocument/2006/relationships" xmlns:p="http://schemas.openxmlformats.org/presentationml/2006/main">
   <p:cSld>
     <p:spTree>
@@ -6127,7 +8211,7 @@
             </a:pPr>
             <a:fld id="{00000000-1234-1234-1234-123412341234}" type="slidenum">
               <a:rPr lang="en"/>
-              <a:t>12</a:t>
+              <a:t>15</a:t>
             </a:fld>
             <a:endParaRPr/>
           </a:p>
@@ -8117,7 +10201,11 @@
             </a:pPr>
             <a:r>
               <a:rPr lang="en" dirty="0" smtClean="0"/>
-              <a:t>STATISTICAL LEARNING</a:t>
+              <a:t>THE </a:t>
+            </a:r>
+            <a:r>
+              <a:rPr lang="en" dirty="0" smtClean="0"/>
+              <a:t>DATA</a:t>
             </a:r>
             <a:endParaRPr dirty="0"/>
           </a:p>
@@ -8160,6 +10248,563 @@
             <a:fld id="{00000000-1234-1234-1234-123412341234}" type="slidenum">
               <a:rPr lang="en"/>
               <a:t>7</a:t>
+            </a:fld>
+            <a:endParaRPr/>
+          </a:p>
+        </p:txBody>
+      </p:sp>
+      <p:graphicFrame>
+        <p:nvGraphicFramePr>
+          <p:cNvPr id="5" name="Content Placeholder 5"/>
+          <p:cNvGraphicFramePr>
+            <a:graphicFrameLocks/>
+          </p:cNvGraphicFramePr>
+          <p:nvPr>
+            <p:extLst>
+              <p:ext uri="{D42A27DB-BD31-4B8C-83A1-F6EECF244321}">
+                <p14:modId xmlns:p14="http://schemas.microsoft.com/office/powerpoint/2010/main" val="178387472"/>
+              </p:ext>
+            </p:extLst>
+          </p:nvPr>
+        </p:nvGraphicFramePr>
+        <p:xfrm>
+          <a:off x="179512" y="1635646"/>
+          <a:ext cx="8809666" cy="2140132"/>
+        </p:xfrm>
+        <a:graphic>
+          <a:graphicData uri="http://schemas.openxmlformats.org/drawingml/2006/table">
+            <a:tbl>
+              <a:tblPr firstRow="1" bandRow="1">
+                <a:tableStyleId>{3C2FFA5D-87B4-456A-9821-1D502468CF0F}</a:tableStyleId>
+              </a:tblPr>
+              <a:tblGrid>
+                <a:gridCol w="4404833">
+                  <a:extLst>
+                    <a:ext uri="{9D8B030D-6E8A-4147-A177-3AD203B41FA5}">
+                      <a16:colId xmlns:a16="http://schemas.microsoft.com/office/drawing/2014/main" xmlns="" val="1835674507"/>
+                    </a:ext>
+                  </a:extLst>
+                </a:gridCol>
+                <a:gridCol w="4404833">
+                  <a:extLst>
+                    <a:ext uri="{9D8B030D-6E8A-4147-A177-3AD203B41FA5}">
+                      <a16:colId xmlns:a16="http://schemas.microsoft.com/office/drawing/2014/main" xmlns="" val="1443174861"/>
+                    </a:ext>
+                  </a:extLst>
+                </a:gridCol>
+              </a:tblGrid>
+              <a:tr h="349528">
+                <a:tc>
+                  <a:txBody>
+                    <a:bodyPr/>
+                    <a:lstStyle/>
+                    <a:p>
+                      <a:pPr algn="ctr"/>
+                      <a:r>
+                        <a:rPr lang="en-US" dirty="0" smtClean="0"/>
+                        <a:t>Statistics</a:t>
+                      </a:r>
+                      <a:endParaRPr lang="en-US" dirty="0"/>
+                    </a:p>
+                  </a:txBody>
+                  <a:tcPr/>
+                </a:tc>
+                <a:tc>
+                  <a:txBody>
+                    <a:bodyPr/>
+                    <a:lstStyle/>
+                    <a:p>
+                      <a:pPr algn="ctr"/>
+                      <a:r>
+                        <a:rPr lang="en-US" dirty="0" smtClean="0"/>
+                        <a:t>Values</a:t>
+                      </a:r>
+                      <a:endParaRPr lang="en-US" dirty="0"/>
+                    </a:p>
+                  </a:txBody>
+                  <a:tcPr/>
+                </a:tc>
+                <a:extLst>
+                  <a:ext uri="{0D108BD9-81ED-4DB2-BD59-A6C34878D82A}">
+                    <a16:rowId xmlns:a16="http://schemas.microsoft.com/office/drawing/2014/main" xmlns="" val="3236627896"/>
+                  </a:ext>
+                </a:extLst>
+              </a:tr>
+              <a:tr h="349528">
+                <a:tc>
+                  <a:txBody>
+                    <a:bodyPr/>
+                    <a:lstStyle/>
+                    <a:p>
+                      <a:pPr algn="ctr"/>
+                      <a:r>
+                        <a:rPr lang="en-US" dirty="0" smtClean="0"/>
+                        <a:t>Number of</a:t>
+                      </a:r>
+                      <a:r>
+                        <a:rPr lang="en-US" baseline="0" dirty="0" smtClean="0"/>
+                        <a:t> Rows</a:t>
+                      </a:r>
+                      <a:endParaRPr lang="en-US" dirty="0"/>
+                    </a:p>
+                  </a:txBody>
+                  <a:tcPr/>
+                </a:tc>
+                <a:tc>
+                  <a:txBody>
+                    <a:bodyPr/>
+                    <a:lstStyle/>
+                    <a:p>
+                      <a:pPr algn="ctr"/>
+                      <a:r>
+                        <a:rPr lang="en-US" dirty="0" smtClean="0"/>
+                        <a:t>26, 304</a:t>
+                      </a:r>
+                      <a:endParaRPr lang="en-US" dirty="0"/>
+                    </a:p>
+                  </a:txBody>
+                  <a:tcPr/>
+                </a:tc>
+                <a:extLst>
+                  <a:ext uri="{0D108BD9-81ED-4DB2-BD59-A6C34878D82A}">
+                    <a16:rowId xmlns:a16="http://schemas.microsoft.com/office/drawing/2014/main" xmlns="" val="2734226777"/>
+                  </a:ext>
+                </a:extLst>
+              </a:tr>
+              <a:tr h="392492">
+                <a:tc>
+                  <a:txBody>
+                    <a:bodyPr/>
+                    <a:lstStyle/>
+                    <a:p>
+                      <a:pPr algn="ctr"/>
+                      <a:r>
+                        <a:rPr lang="en-US" dirty="0" smtClean="0"/>
+                        <a:t>Training (%)</a:t>
+                      </a:r>
+                    </a:p>
+                  </a:txBody>
+                  <a:tcPr/>
+                </a:tc>
+                <a:tc>
+                  <a:txBody>
+                    <a:bodyPr/>
+                    <a:lstStyle/>
+                    <a:p>
+                      <a:pPr algn="ctr"/>
+                      <a:r>
+                        <a:rPr lang="en-US" dirty="0" smtClean="0"/>
+                        <a:t>67</a:t>
+                      </a:r>
+                      <a:endParaRPr lang="en-US" dirty="0"/>
+                    </a:p>
+                  </a:txBody>
+                  <a:tcPr/>
+                </a:tc>
+                <a:extLst>
+                  <a:ext uri="{0D108BD9-81ED-4DB2-BD59-A6C34878D82A}">
+                    <a16:rowId xmlns:a16="http://schemas.microsoft.com/office/drawing/2014/main" xmlns="" val="1622679583"/>
+                  </a:ext>
+                </a:extLst>
+              </a:tr>
+              <a:tr h="349528">
+                <a:tc>
+                  <a:txBody>
+                    <a:bodyPr/>
+                    <a:lstStyle/>
+                    <a:p>
+                      <a:pPr algn="ctr"/>
+                      <a:r>
+                        <a:rPr lang="en-US" dirty="0" smtClean="0"/>
+                        <a:t>Number of </a:t>
+                      </a:r>
+                      <a:r>
+                        <a:rPr lang="en-US" dirty="0" smtClean="0"/>
+                        <a:t>Targets</a:t>
+                      </a:r>
+                      <a:r>
+                        <a:rPr lang="en-US" baseline="0" dirty="0" smtClean="0"/>
+                        <a:t> for Regression</a:t>
+                      </a:r>
+                      <a:endParaRPr lang="en-US" dirty="0"/>
+                    </a:p>
+                  </a:txBody>
+                  <a:tcPr/>
+                </a:tc>
+                <a:tc>
+                  <a:txBody>
+                    <a:bodyPr/>
+                    <a:lstStyle/>
+                    <a:p>
+                      <a:pPr algn="ctr"/>
+                      <a:r>
+                        <a:rPr lang="en-US" dirty="0" smtClean="0"/>
+                        <a:t>13</a:t>
+                      </a:r>
+                      <a:endParaRPr lang="en-US" dirty="0"/>
+                    </a:p>
+                  </a:txBody>
+                  <a:tcPr/>
+                </a:tc>
+                <a:extLst>
+                  <a:ext uri="{0D108BD9-81ED-4DB2-BD59-A6C34878D82A}">
+                    <a16:rowId xmlns:a16="http://schemas.microsoft.com/office/drawing/2014/main" xmlns="" val="544817985"/>
+                  </a:ext>
+                </a:extLst>
+              </a:tr>
+              <a:tr h="349528">
+                <a:tc>
+                  <a:txBody>
+                    <a:bodyPr/>
+                    <a:lstStyle/>
+                    <a:p>
+                      <a:pPr algn="ctr"/>
+                      <a:r>
+                        <a:rPr lang="en-US" dirty="0" smtClean="0"/>
+                        <a:t>Training Dataset size used (MB)</a:t>
+                      </a:r>
+                      <a:endParaRPr lang="en-US" dirty="0"/>
+                    </a:p>
+                  </a:txBody>
+                  <a:tcPr/>
+                </a:tc>
+                <a:tc>
+                  <a:txBody>
+                    <a:bodyPr/>
+                    <a:lstStyle/>
+                    <a:p>
+                      <a:pPr algn="ctr"/>
+                      <a:r>
+                        <a:rPr lang="en-US" dirty="0" smtClean="0"/>
+                        <a:t>9.0</a:t>
+                      </a:r>
+                      <a:endParaRPr lang="en-US" dirty="0"/>
+                    </a:p>
+                  </a:txBody>
+                  <a:tcPr/>
+                </a:tc>
+                <a:extLst>
+                  <a:ext uri="{0D108BD9-81ED-4DB2-BD59-A6C34878D82A}">
+                    <a16:rowId xmlns:a16="http://schemas.microsoft.com/office/drawing/2014/main" xmlns="" val="15348631"/>
+                  </a:ext>
+                </a:extLst>
+              </a:tr>
+              <a:tr h="349528">
+                <a:tc>
+                  <a:txBody>
+                    <a:bodyPr/>
+                    <a:lstStyle/>
+                    <a:p>
+                      <a:pPr algn="ctr"/>
+                      <a:r>
+                        <a:rPr lang="en-US" dirty="0" smtClean="0"/>
+                        <a:t>Number of Features Generated</a:t>
+                      </a:r>
+                      <a:endParaRPr lang="en-US" dirty="0"/>
+                    </a:p>
+                  </a:txBody>
+                  <a:tcPr/>
+                </a:tc>
+                <a:tc>
+                  <a:txBody>
+                    <a:bodyPr/>
+                    <a:lstStyle/>
+                    <a:p>
+                      <a:pPr algn="ctr"/>
+                      <a:r>
+                        <a:rPr lang="en-US" dirty="0" smtClean="0"/>
+                        <a:t>44</a:t>
+                      </a:r>
+                      <a:endParaRPr lang="en-US" dirty="0"/>
+                    </a:p>
+                  </a:txBody>
+                  <a:tcPr/>
+                </a:tc>
+                <a:extLst>
+                  <a:ext uri="{0D108BD9-81ED-4DB2-BD59-A6C34878D82A}">
+                    <a16:rowId xmlns:a16="http://schemas.microsoft.com/office/drawing/2014/main" xmlns="" val="3808522581"/>
+                  </a:ext>
+                </a:extLst>
+              </a:tr>
+            </a:tbl>
+          </a:graphicData>
+        </a:graphic>
+      </p:graphicFrame>
+    </p:spTree>
+    <p:extLst>
+      <p:ext uri="{BB962C8B-B14F-4D97-AF65-F5344CB8AC3E}">
+        <p14:creationId xmlns:p14="http://schemas.microsoft.com/office/powerpoint/2010/main" val="388506230"/>
+      </p:ext>
+    </p:extLst>
+  </p:cSld>
+  <p:clrMapOvr>
+    <a:masterClrMapping/>
+  </p:clrMapOvr>
+</p:sld>
+</file>
+
+<file path=ppt/slides/slide8.xml><?xml version="1.0" encoding="utf-8"?>
+<p:sld xmlns:a="http://schemas.openxmlformats.org/drawingml/2006/main" xmlns:r="http://schemas.openxmlformats.org/officeDocument/2006/relationships" xmlns:p="http://schemas.openxmlformats.org/presentationml/2006/main">
+  <p:cSld>
+    <p:spTree>
+      <p:nvGrpSpPr>
+        <p:cNvPr id="1" name="Shape 388"/>
+        <p:cNvGrpSpPr/>
+        <p:nvPr/>
+      </p:nvGrpSpPr>
+      <p:grpSpPr>
+        <a:xfrm>
+          <a:off x="0" y="0"/>
+          <a:ext cx="0" cy="0"/>
+          <a:chOff x="0" y="0"/>
+          <a:chExt cx="0" cy="0"/>
+        </a:xfrm>
+      </p:grpSpPr>
+      <p:sp>
+        <p:nvSpPr>
+          <p:cNvPr id="389" name="Google Shape;389;p21"/>
+          <p:cNvSpPr txBox="1">
+            <a:spLocks noGrp="1"/>
+          </p:cNvSpPr>
+          <p:nvPr>
+            <p:ph type="title"/>
+          </p:nvPr>
+        </p:nvSpPr>
+        <p:spPr>
+          <a:xfrm>
+            <a:off x="776450" y="402700"/>
+            <a:ext cx="3587400" cy="856800"/>
+          </a:xfrm>
+          <a:prstGeom prst="rect">
+            <a:avLst/>
+          </a:prstGeom>
+        </p:spPr>
+        <p:txBody>
+          <a:bodyPr spcFirstLastPara="1" wrap="square" lIns="0" tIns="0" rIns="0" bIns="0" anchor="b" anchorCtr="0">
+            <a:noAutofit/>
+          </a:bodyPr>
+          <a:lstStyle/>
+          <a:p>
+            <a:pPr marL="0" lvl="0" indent="0" algn="l" rtl="0">
+              <a:spcBef>
+                <a:spcPts val="0"/>
+              </a:spcBef>
+              <a:spcAft>
+                <a:spcPts val="0"/>
+              </a:spcAft>
+              <a:buNone/>
+            </a:pPr>
+            <a:r>
+              <a:rPr lang="en" dirty="0" smtClean="0"/>
+              <a:t>THE </a:t>
+            </a:r>
+            <a:r>
+              <a:rPr lang="en" dirty="0" smtClean="0"/>
+              <a:t>DATA</a:t>
+            </a:r>
+            <a:endParaRPr dirty="0"/>
+          </a:p>
+        </p:txBody>
+      </p:sp>
+      <p:sp>
+        <p:nvSpPr>
+          <p:cNvPr id="391" name="Google Shape;391;p21"/>
+          <p:cNvSpPr txBox="1">
+            <a:spLocks noGrp="1"/>
+          </p:cNvSpPr>
+          <p:nvPr>
+            <p:ph type="sldNum" idx="12"/>
+          </p:nvPr>
+        </p:nvSpPr>
+        <p:spPr>
+          <a:xfrm>
+            <a:off x="8729400" y="4734075"/>
+            <a:ext cx="414600" cy="409500"/>
+          </a:xfrm>
+          <a:prstGeom prst="rect">
+            <a:avLst/>
+          </a:prstGeom>
+        </p:spPr>
+        <p:txBody>
+          <a:bodyPr spcFirstLastPara="1" wrap="square" lIns="0" tIns="0" rIns="0" bIns="0" anchor="ctr" anchorCtr="0">
+            <a:noAutofit/>
+          </a:bodyPr>
+          <a:lstStyle/>
+          <a:p>
+            <a:pPr marL="0" lvl="0" indent="0" algn="ctr" rtl="0">
+              <a:spcBef>
+                <a:spcPts val="0"/>
+              </a:spcBef>
+              <a:spcAft>
+                <a:spcPts val="0"/>
+              </a:spcAft>
+              <a:buNone/>
+            </a:pPr>
+            <a:fld id="{00000000-1234-1234-1234-123412341234}" type="slidenum">
+              <a:rPr lang="en"/>
+              <a:t>8</a:t>
+            </a:fld>
+            <a:endParaRPr/>
+          </a:p>
+        </p:txBody>
+      </p:sp>
+      <p:pic>
+        <p:nvPicPr>
+          <p:cNvPr id="6" name="Picture 5"/>
+          <p:cNvPicPr>
+            <a:picLocks noChangeAspect="1"/>
+          </p:cNvPicPr>
+          <p:nvPr/>
+        </p:nvPicPr>
+        <p:blipFill>
+          <a:blip r:embed="rId3"/>
+          <a:stretch>
+            <a:fillRect/>
+          </a:stretch>
+        </p:blipFill>
+        <p:spPr>
+          <a:xfrm>
+            <a:off x="323528" y="1783634"/>
+            <a:ext cx="4069510" cy="2268252"/>
+          </a:xfrm>
+          <a:prstGeom prst="rect">
+            <a:avLst/>
+          </a:prstGeom>
+        </p:spPr>
+      </p:pic>
+      <p:pic>
+        <p:nvPicPr>
+          <p:cNvPr id="7" name="Picture 6"/>
+          <p:cNvPicPr>
+            <a:picLocks noChangeAspect="1"/>
+          </p:cNvPicPr>
+          <p:nvPr/>
+        </p:nvPicPr>
+        <p:blipFill>
+          <a:blip r:embed="rId4"/>
+          <a:stretch>
+            <a:fillRect/>
+          </a:stretch>
+        </p:blipFill>
+        <p:spPr>
+          <a:xfrm>
+            <a:off x="4788024" y="1779662"/>
+            <a:ext cx="4011326" cy="2268252"/>
+          </a:xfrm>
+          <a:prstGeom prst="rect">
+            <a:avLst/>
+          </a:prstGeom>
+        </p:spPr>
+      </p:pic>
+    </p:spTree>
+    <p:extLst>
+      <p:ext uri="{BB962C8B-B14F-4D97-AF65-F5344CB8AC3E}">
+        <p14:creationId xmlns:p14="http://schemas.microsoft.com/office/powerpoint/2010/main" val="318393162"/>
+      </p:ext>
+    </p:extLst>
+  </p:cSld>
+  <p:clrMapOvr>
+    <a:masterClrMapping/>
+  </p:clrMapOvr>
+</p:sld>
+</file>
+
+<file path=ppt/slides/slide9.xml><?xml version="1.0" encoding="utf-8"?>
+<p:sld xmlns:a="http://schemas.openxmlformats.org/drawingml/2006/main" xmlns:r="http://schemas.openxmlformats.org/officeDocument/2006/relationships" xmlns:p="http://schemas.openxmlformats.org/presentationml/2006/main">
+  <p:cSld>
+    <p:spTree>
+      <p:nvGrpSpPr>
+        <p:cNvPr id="1" name="Shape 388"/>
+        <p:cNvGrpSpPr/>
+        <p:nvPr/>
+      </p:nvGrpSpPr>
+      <p:grpSpPr>
+        <a:xfrm>
+          <a:off x="0" y="0"/>
+          <a:ext cx="0" cy="0"/>
+          <a:chOff x="0" y="0"/>
+          <a:chExt cx="0" cy="0"/>
+        </a:xfrm>
+      </p:grpSpPr>
+      <p:sp>
+        <p:nvSpPr>
+          <p:cNvPr id="389" name="Google Shape;389;p21"/>
+          <p:cNvSpPr txBox="1">
+            <a:spLocks noGrp="1"/>
+          </p:cNvSpPr>
+          <p:nvPr>
+            <p:ph type="title"/>
+          </p:nvPr>
+        </p:nvSpPr>
+        <p:spPr>
+          <a:xfrm>
+            <a:off x="776450" y="402700"/>
+            <a:ext cx="3587400" cy="856800"/>
+          </a:xfrm>
+          <a:prstGeom prst="rect">
+            <a:avLst/>
+          </a:prstGeom>
+        </p:spPr>
+        <p:txBody>
+          <a:bodyPr spcFirstLastPara="1" wrap="square" lIns="0" tIns="0" rIns="0" bIns="0" anchor="b" anchorCtr="0">
+            <a:noAutofit/>
+          </a:bodyPr>
+          <a:lstStyle/>
+          <a:p>
+            <a:pPr marL="0" lvl="0" indent="0" algn="l" rtl="0">
+              <a:spcBef>
+                <a:spcPts val="0"/>
+              </a:spcBef>
+              <a:spcAft>
+                <a:spcPts val="0"/>
+              </a:spcAft>
+              <a:buNone/>
+            </a:pPr>
+            <a:r>
+              <a:rPr lang="en" dirty="0" smtClean="0"/>
+              <a:t>STATISTICAL LEARNING</a:t>
+            </a:r>
+            <a:endParaRPr dirty="0"/>
+          </a:p>
+        </p:txBody>
+      </p:sp>
+      <p:sp>
+        <p:nvSpPr>
+          <p:cNvPr id="391" name="Google Shape;391;p21"/>
+          <p:cNvSpPr txBox="1">
+            <a:spLocks noGrp="1"/>
+          </p:cNvSpPr>
+          <p:nvPr>
+            <p:ph type="sldNum" idx="12"/>
+          </p:nvPr>
+        </p:nvSpPr>
+        <p:spPr>
+          <a:xfrm>
+            <a:off x="8729400" y="4734075"/>
+            <a:ext cx="414600" cy="409500"/>
+          </a:xfrm>
+          <a:prstGeom prst="rect">
+            <a:avLst/>
+          </a:prstGeom>
+        </p:spPr>
+        <p:txBody>
+          <a:bodyPr spcFirstLastPara="1" wrap="square" lIns="0" tIns="0" rIns="0" bIns="0" anchor="ctr" anchorCtr="0">
+            <a:noAutofit/>
+          </a:bodyPr>
+          <a:lstStyle/>
+          <a:p>
+            <a:pPr marL="0" lvl="0" indent="0" algn="ctr" rtl="0">
+              <a:spcBef>
+                <a:spcPts val="0"/>
+              </a:spcBef>
+              <a:spcAft>
+                <a:spcPts val="0"/>
+              </a:spcAft>
+              <a:buNone/>
+            </a:pPr>
+            <a:fld id="{00000000-1234-1234-1234-123412341234}" type="slidenum">
+              <a:rPr lang="en"/>
+              <a:t>9</a:t>
             </a:fld>
             <a:endParaRPr/>
           </a:p>
@@ -8477,7 +11122,7 @@
           <a:graphicData uri="http://schemas.openxmlformats.org/presentationml/2006/ole">
             <mc:AlternateContent xmlns:mc="http://schemas.openxmlformats.org/markup-compatibility/2006">
               <mc:Choice xmlns:v="urn:schemas-microsoft-com:vml" Requires="v">
-                <p:oleObj spid="_x0000_s1029" name="Worksheet" r:id="rId4" imgW="4775397" imgH="2298817" progId="Excel.Sheet.12">
+                <p:oleObj spid="_x0000_s1033" name="Worksheet" r:id="rId4" imgW="4775397" imgH="2298817" progId="Excel.Sheet.12">
                   <p:embed/>
                 </p:oleObj>
               </mc:Choice>
@@ -8859,1580 +11504,6 @@
     <p:extLst>
       <p:ext uri="{BB962C8B-B14F-4D97-AF65-F5344CB8AC3E}">
         <p14:creationId xmlns:p14="http://schemas.microsoft.com/office/powerpoint/2010/main" val="88233577"/>
-      </p:ext>
-    </p:extLst>
-  </p:cSld>
-  <p:clrMapOvr>
-    <a:masterClrMapping/>
-  </p:clrMapOvr>
-</p:sld>
-</file>
-
-<file path=ppt/slides/slide8.xml><?xml version="1.0" encoding="utf-8"?>
-<p:sld xmlns:a="http://schemas.openxmlformats.org/drawingml/2006/main" xmlns:r="http://schemas.openxmlformats.org/officeDocument/2006/relationships" xmlns:p="http://schemas.openxmlformats.org/presentationml/2006/main">
-  <p:cSld>
-    <p:spTree>
-      <p:nvGrpSpPr>
-        <p:cNvPr id="1" name="Shape 388"/>
-        <p:cNvGrpSpPr/>
-        <p:nvPr/>
-      </p:nvGrpSpPr>
-      <p:grpSpPr>
-        <a:xfrm>
-          <a:off x="0" y="0"/>
-          <a:ext cx="0" cy="0"/>
-          <a:chOff x="0" y="0"/>
-          <a:chExt cx="0" cy="0"/>
-        </a:xfrm>
-      </p:grpSpPr>
-      <p:sp>
-        <p:nvSpPr>
-          <p:cNvPr id="389" name="Google Shape;389;p21"/>
-          <p:cNvSpPr txBox="1">
-            <a:spLocks noGrp="1"/>
-          </p:cNvSpPr>
-          <p:nvPr>
-            <p:ph type="title"/>
-          </p:nvPr>
-        </p:nvSpPr>
-        <p:spPr>
-          <a:xfrm>
-            <a:off x="776450" y="402700"/>
-            <a:ext cx="3587400" cy="856800"/>
-          </a:xfrm>
-          <a:prstGeom prst="rect">
-            <a:avLst/>
-          </a:prstGeom>
-        </p:spPr>
-        <p:txBody>
-          <a:bodyPr spcFirstLastPara="1" wrap="square" lIns="0" tIns="0" rIns="0" bIns="0" anchor="b" anchorCtr="0">
-            <a:noAutofit/>
-          </a:bodyPr>
-          <a:lstStyle/>
-          <a:p>
-            <a:pPr marL="0" lvl="0" indent="0" algn="l" rtl="0">
-              <a:spcBef>
-                <a:spcPts val="0"/>
-              </a:spcBef>
-              <a:spcAft>
-                <a:spcPts val="0"/>
-              </a:spcAft>
-              <a:buNone/>
-            </a:pPr>
-            <a:r>
-              <a:rPr lang="en" dirty="0" smtClean="0"/>
-              <a:t>FEATURE IMPORTANCE</a:t>
-            </a:r>
-            <a:endParaRPr dirty="0"/>
-          </a:p>
-        </p:txBody>
-      </p:sp>
-      <p:sp>
-        <p:nvSpPr>
-          <p:cNvPr id="391" name="Google Shape;391;p21"/>
-          <p:cNvSpPr txBox="1">
-            <a:spLocks noGrp="1"/>
-          </p:cNvSpPr>
-          <p:nvPr>
-            <p:ph type="sldNum" idx="12"/>
-          </p:nvPr>
-        </p:nvSpPr>
-        <p:spPr>
-          <a:xfrm>
-            <a:off x="8729400" y="4734075"/>
-            <a:ext cx="414600" cy="409500"/>
-          </a:xfrm>
-          <a:prstGeom prst="rect">
-            <a:avLst/>
-          </a:prstGeom>
-        </p:spPr>
-        <p:txBody>
-          <a:bodyPr spcFirstLastPara="1" wrap="square" lIns="0" tIns="0" rIns="0" bIns="0" anchor="ctr" anchorCtr="0">
-            <a:noAutofit/>
-          </a:bodyPr>
-          <a:lstStyle/>
-          <a:p>
-            <a:pPr marL="0" lvl="0" indent="0" algn="ctr" rtl="0">
-              <a:spcBef>
-                <a:spcPts val="0"/>
-              </a:spcBef>
-              <a:spcAft>
-                <a:spcPts val="0"/>
-              </a:spcAft>
-              <a:buNone/>
-            </a:pPr>
-            <a:fld id="{00000000-1234-1234-1234-123412341234}" type="slidenum">
-              <a:rPr lang="en"/>
-              <a:t>8</a:t>
-            </a:fld>
-            <a:endParaRPr/>
-          </a:p>
-        </p:txBody>
-      </p:sp>
-      <p:sp>
-        <p:nvSpPr>
-          <p:cNvPr id="8" name="Google Shape;346;p17"/>
-          <p:cNvSpPr txBox="1">
-            <a:spLocks/>
-          </p:cNvSpPr>
-          <p:nvPr/>
-        </p:nvSpPr>
-        <p:spPr>
-          <a:xfrm>
-            <a:off x="1043608" y="1652383"/>
-            <a:ext cx="7315558" cy="2932500"/>
-          </a:xfrm>
-          <a:prstGeom prst="rect">
-            <a:avLst/>
-          </a:prstGeom>
-          <a:noFill/>
-          <a:ln>
-            <a:noFill/>
-          </a:ln>
-        </p:spPr>
-        <p:txBody>
-          <a:bodyPr spcFirstLastPara="1" wrap="square" lIns="0" tIns="0" rIns="0" bIns="0" anchor="t" anchorCtr="0">
-            <a:noAutofit/>
-          </a:bodyPr>
-          <a:lstStyle>
-            <a:defPPr marR="0" lvl="0" algn="l" rtl="0">
-              <a:lnSpc>
-                <a:spcPct val="100000"/>
-              </a:lnSpc>
-              <a:spcBef>
-                <a:spcPts val="0"/>
-              </a:spcBef>
-              <a:spcAft>
-                <a:spcPts val="0"/>
-              </a:spcAft>
-            </a:defPPr>
-            <a:lvl1pPr marL="457200" marR="0" lvl="0" indent="-355600" algn="l" rtl="0">
-              <a:lnSpc>
-                <a:spcPct val="120000"/>
-              </a:lnSpc>
-              <a:spcBef>
-                <a:spcPts val="600"/>
-              </a:spcBef>
-              <a:spcAft>
-                <a:spcPts val="0"/>
-              </a:spcAft>
-              <a:buClr>
-                <a:schemeClr val="accent6"/>
-              </a:buClr>
-              <a:buSzPts val="2000"/>
-              <a:buFont typeface="Montserrat Light"/>
-              <a:buChar char="❑"/>
-              <a:defRPr sz="2000" b="0" i="0" u="none" strike="noStrike" cap="none">
-                <a:solidFill>
-                  <a:schemeClr val="dk1"/>
-                </a:solidFill>
-                <a:latin typeface="Montserrat Light"/>
-                <a:ea typeface="Montserrat Light"/>
-                <a:cs typeface="Montserrat Light"/>
-                <a:sym typeface="Montserrat Light"/>
-              </a:defRPr>
-            </a:lvl1pPr>
-            <a:lvl2pPr marL="914400" marR="0" lvl="1" indent="-355600" algn="l" rtl="0">
-              <a:lnSpc>
-                <a:spcPct val="120000"/>
-              </a:lnSpc>
-              <a:spcBef>
-                <a:spcPts val="600"/>
-              </a:spcBef>
-              <a:spcAft>
-                <a:spcPts val="0"/>
-              </a:spcAft>
-              <a:buClr>
-                <a:schemeClr val="accent6"/>
-              </a:buClr>
-              <a:buSzPts val="2000"/>
-              <a:buFont typeface="Montserrat Light"/>
-              <a:buChar char="❏"/>
-              <a:defRPr sz="2000" b="0" i="0" u="none" strike="noStrike" cap="none">
-                <a:solidFill>
-                  <a:schemeClr val="dk1"/>
-                </a:solidFill>
-                <a:latin typeface="Montserrat Light"/>
-                <a:ea typeface="Montserrat Light"/>
-                <a:cs typeface="Montserrat Light"/>
-                <a:sym typeface="Montserrat Light"/>
-              </a:defRPr>
-            </a:lvl2pPr>
-            <a:lvl3pPr marL="1371600" marR="0" lvl="2" indent="-355600" algn="l" rtl="0">
-              <a:lnSpc>
-                <a:spcPct val="120000"/>
-              </a:lnSpc>
-              <a:spcBef>
-                <a:spcPts val="600"/>
-              </a:spcBef>
-              <a:spcAft>
-                <a:spcPts val="0"/>
-              </a:spcAft>
-              <a:buClr>
-                <a:schemeClr val="accent6"/>
-              </a:buClr>
-              <a:buSzPts val="2000"/>
-              <a:buFont typeface="Montserrat Light"/>
-              <a:buChar char="❏"/>
-              <a:defRPr sz="2000" b="0" i="0" u="none" strike="noStrike" cap="none">
-                <a:solidFill>
-                  <a:schemeClr val="dk1"/>
-                </a:solidFill>
-                <a:latin typeface="Montserrat Light"/>
-                <a:ea typeface="Montserrat Light"/>
-                <a:cs typeface="Montserrat Light"/>
-                <a:sym typeface="Montserrat Light"/>
-              </a:defRPr>
-            </a:lvl3pPr>
-            <a:lvl4pPr marL="1828800" marR="0" lvl="3" indent="-355600" algn="l" rtl="0">
-              <a:lnSpc>
-                <a:spcPct val="120000"/>
-              </a:lnSpc>
-              <a:spcBef>
-                <a:spcPts val="600"/>
-              </a:spcBef>
-              <a:spcAft>
-                <a:spcPts val="0"/>
-              </a:spcAft>
-              <a:buClr>
-                <a:schemeClr val="accent6"/>
-              </a:buClr>
-              <a:buSzPts val="2000"/>
-              <a:buFont typeface="Montserrat Light"/>
-              <a:buChar char="❏"/>
-              <a:defRPr sz="2000" b="0" i="0" u="none" strike="noStrike" cap="none">
-                <a:solidFill>
-                  <a:schemeClr val="dk1"/>
-                </a:solidFill>
-                <a:latin typeface="Montserrat Light"/>
-                <a:ea typeface="Montserrat Light"/>
-                <a:cs typeface="Montserrat Light"/>
-                <a:sym typeface="Montserrat Light"/>
-              </a:defRPr>
-            </a:lvl4pPr>
-            <a:lvl5pPr marL="2286000" marR="0" lvl="4" indent="-355600" algn="l" rtl="0">
-              <a:lnSpc>
-                <a:spcPct val="120000"/>
-              </a:lnSpc>
-              <a:spcBef>
-                <a:spcPts val="600"/>
-              </a:spcBef>
-              <a:spcAft>
-                <a:spcPts val="0"/>
-              </a:spcAft>
-              <a:buClr>
-                <a:schemeClr val="accent6"/>
-              </a:buClr>
-              <a:buSzPts val="2000"/>
-              <a:buFont typeface="Montserrat Light"/>
-              <a:buChar char="❏"/>
-              <a:defRPr sz="2000" b="0" i="0" u="none" strike="noStrike" cap="none">
-                <a:solidFill>
-                  <a:schemeClr val="dk1"/>
-                </a:solidFill>
-                <a:latin typeface="Montserrat Light"/>
-                <a:ea typeface="Montserrat Light"/>
-                <a:cs typeface="Montserrat Light"/>
-                <a:sym typeface="Montserrat Light"/>
-              </a:defRPr>
-            </a:lvl5pPr>
-            <a:lvl6pPr marL="2743200" marR="0" lvl="5" indent="-355600" algn="l" rtl="0">
-              <a:lnSpc>
-                <a:spcPct val="120000"/>
-              </a:lnSpc>
-              <a:spcBef>
-                <a:spcPts val="600"/>
-              </a:spcBef>
-              <a:spcAft>
-                <a:spcPts val="0"/>
-              </a:spcAft>
-              <a:buClr>
-                <a:schemeClr val="accent6"/>
-              </a:buClr>
-              <a:buSzPts val="2000"/>
-              <a:buFont typeface="Montserrat Light"/>
-              <a:buChar char="❏"/>
-              <a:defRPr sz="2000" b="0" i="0" u="none" strike="noStrike" cap="none">
-                <a:solidFill>
-                  <a:schemeClr val="dk1"/>
-                </a:solidFill>
-                <a:latin typeface="Montserrat Light"/>
-                <a:ea typeface="Montserrat Light"/>
-                <a:cs typeface="Montserrat Light"/>
-                <a:sym typeface="Montserrat Light"/>
-              </a:defRPr>
-            </a:lvl6pPr>
-            <a:lvl7pPr marL="3200400" marR="0" lvl="6" indent="-355600" algn="l" rtl="0">
-              <a:lnSpc>
-                <a:spcPct val="120000"/>
-              </a:lnSpc>
-              <a:spcBef>
-                <a:spcPts val="600"/>
-              </a:spcBef>
-              <a:spcAft>
-                <a:spcPts val="0"/>
-              </a:spcAft>
-              <a:buClr>
-                <a:schemeClr val="accent6"/>
-              </a:buClr>
-              <a:buSzPts val="2000"/>
-              <a:buFont typeface="Montserrat Light"/>
-              <a:buChar char="❏"/>
-              <a:defRPr sz="2000" b="0" i="0" u="none" strike="noStrike" cap="none">
-                <a:solidFill>
-                  <a:schemeClr val="dk1"/>
-                </a:solidFill>
-                <a:latin typeface="Montserrat Light"/>
-                <a:ea typeface="Montserrat Light"/>
-                <a:cs typeface="Montserrat Light"/>
-                <a:sym typeface="Montserrat Light"/>
-              </a:defRPr>
-            </a:lvl7pPr>
-            <a:lvl8pPr marL="3657600" marR="0" lvl="7" indent="-355600" algn="l" rtl="0">
-              <a:lnSpc>
-                <a:spcPct val="120000"/>
-              </a:lnSpc>
-              <a:spcBef>
-                <a:spcPts val="600"/>
-              </a:spcBef>
-              <a:spcAft>
-                <a:spcPts val="0"/>
-              </a:spcAft>
-              <a:buClr>
-                <a:schemeClr val="accent6"/>
-              </a:buClr>
-              <a:buSzPts val="2000"/>
-              <a:buFont typeface="Montserrat Light"/>
-              <a:buChar char="❏"/>
-              <a:defRPr sz="2000" b="0" i="0" u="none" strike="noStrike" cap="none">
-                <a:solidFill>
-                  <a:schemeClr val="dk1"/>
-                </a:solidFill>
-                <a:latin typeface="Montserrat Light"/>
-                <a:ea typeface="Montserrat Light"/>
-                <a:cs typeface="Montserrat Light"/>
-                <a:sym typeface="Montserrat Light"/>
-              </a:defRPr>
-            </a:lvl8pPr>
-            <a:lvl9pPr marL="4114800" marR="0" lvl="8" indent="-355600" algn="l" rtl="0">
-              <a:lnSpc>
-                <a:spcPct val="120000"/>
-              </a:lnSpc>
-              <a:spcBef>
-                <a:spcPts val="600"/>
-              </a:spcBef>
-              <a:spcAft>
-                <a:spcPts val="0"/>
-              </a:spcAft>
-              <a:buClr>
-                <a:schemeClr val="accent6"/>
-              </a:buClr>
-              <a:buSzPts val="2000"/>
-              <a:buFont typeface="Montserrat Light"/>
-              <a:buChar char="❏"/>
-              <a:defRPr sz="2000" b="0" i="0" u="none" strike="noStrike" cap="none">
-                <a:solidFill>
-                  <a:schemeClr val="dk1"/>
-                </a:solidFill>
-                <a:latin typeface="Montserrat Light"/>
-                <a:ea typeface="Montserrat Light"/>
-                <a:cs typeface="Montserrat Light"/>
-                <a:sym typeface="Montserrat Light"/>
-              </a:defRPr>
-            </a:lvl9pPr>
-          </a:lstStyle>
-          <a:p>
-            <a:pPr>
-              <a:spcBef>
-                <a:spcPts val="0"/>
-              </a:spcBef>
-            </a:pPr>
-            <a:endParaRPr lang="en-US" sz="1600" dirty="0" smtClean="0"/>
-          </a:p>
-          <a:p>
-            <a:pPr>
-              <a:spcBef>
-                <a:spcPts val="0"/>
-              </a:spcBef>
-            </a:pPr>
-            <a:endParaRPr lang="en-US" sz="1600" dirty="0"/>
-          </a:p>
-        </p:txBody>
-      </p:sp>
-      <p:pic>
-        <p:nvPicPr>
-          <p:cNvPr id="2" name="Picture 1"/>
-          <p:cNvPicPr>
-            <a:picLocks noChangeAspect="1"/>
-          </p:cNvPicPr>
-          <p:nvPr/>
-        </p:nvPicPr>
-        <p:blipFill>
-          <a:blip r:embed="rId3">
-            <a:extLst>
-              <a:ext uri="{28A0092B-C50C-407E-A947-70E740481C1C}">
-                <a14:useLocalDpi xmlns:a14="http://schemas.microsoft.com/office/drawing/2010/main" val="0"/>
-              </a:ext>
-            </a:extLst>
-          </a:blip>
-          <a:stretch>
-            <a:fillRect/>
-          </a:stretch>
-        </p:blipFill>
-        <p:spPr>
-          <a:xfrm>
-            <a:off x="0" y="2025612"/>
-            <a:ext cx="9144000" cy="3117888"/>
-          </a:xfrm>
-          <a:prstGeom prst="rect">
-            <a:avLst/>
-          </a:prstGeom>
-        </p:spPr>
-      </p:pic>
-      <p:sp>
-        <p:nvSpPr>
-          <p:cNvPr id="4" name="Right Brace 3"/>
-          <p:cNvSpPr/>
-          <p:nvPr/>
-        </p:nvSpPr>
-        <p:spPr>
-          <a:xfrm>
-            <a:off x="1763688" y="2067694"/>
-            <a:ext cx="144016" cy="792088"/>
-          </a:xfrm>
-          <a:prstGeom prst="rightBrace">
-            <a:avLst/>
-          </a:prstGeom>
-        </p:spPr>
-        <p:style>
-          <a:lnRef idx="2">
-            <a:schemeClr val="dk1"/>
-          </a:lnRef>
-          <a:fillRef idx="0">
-            <a:schemeClr val="dk1"/>
-          </a:fillRef>
-          <a:effectRef idx="1">
-            <a:schemeClr val="dk1"/>
-          </a:effectRef>
-          <a:fontRef idx="minor">
-            <a:schemeClr val="tx1"/>
-          </a:fontRef>
-        </p:style>
-        <p:txBody>
-          <a:bodyPr rtlCol="0" anchor="ctr"/>
-          <a:lstStyle/>
-          <a:p>
-            <a:pPr algn="ctr"/>
-            <a:endParaRPr lang="en-CA"/>
-          </a:p>
-        </p:txBody>
-      </p:sp>
-      <p:sp>
-        <p:nvSpPr>
-          <p:cNvPr id="5" name="TextBox 4"/>
-          <p:cNvSpPr txBox="1"/>
-          <p:nvPr/>
-        </p:nvSpPr>
-        <p:spPr>
-          <a:xfrm>
-            <a:off x="1907704" y="2309849"/>
-            <a:ext cx="1800200" cy="307777"/>
-          </a:xfrm>
-          <a:prstGeom prst="rect">
-            <a:avLst/>
-          </a:prstGeom>
-          <a:noFill/>
-        </p:spPr>
-        <p:txBody>
-          <a:bodyPr wrap="square" rtlCol="0">
-            <a:spAutoFit/>
-          </a:bodyPr>
-          <a:lstStyle/>
-          <a:p>
-            <a:r>
-              <a:rPr lang="en-CA" dirty="0" smtClean="0"/>
-              <a:t>Precipitation Data</a:t>
-            </a:r>
-            <a:endParaRPr lang="en-CA" dirty="0"/>
-          </a:p>
-        </p:txBody>
-      </p:sp>
-      <p:sp>
-        <p:nvSpPr>
-          <p:cNvPr id="10" name="Right Brace 9"/>
-          <p:cNvSpPr/>
-          <p:nvPr/>
-        </p:nvSpPr>
-        <p:spPr>
-          <a:xfrm>
-            <a:off x="8741718" y="2722588"/>
-            <a:ext cx="144016" cy="971419"/>
-          </a:xfrm>
-          <a:prstGeom prst="rightBrace">
-            <a:avLst/>
-          </a:prstGeom>
-        </p:spPr>
-        <p:style>
-          <a:lnRef idx="2">
-            <a:schemeClr val="dk1"/>
-          </a:lnRef>
-          <a:fillRef idx="0">
-            <a:schemeClr val="dk1"/>
-          </a:fillRef>
-          <a:effectRef idx="1">
-            <a:schemeClr val="dk1"/>
-          </a:effectRef>
-          <a:fontRef idx="minor">
-            <a:schemeClr val="tx1"/>
-          </a:fontRef>
-        </p:style>
-        <p:txBody>
-          <a:bodyPr rtlCol="0" anchor="ctr"/>
-          <a:lstStyle/>
-          <a:p>
-            <a:pPr algn="ctr"/>
-            <a:endParaRPr lang="en-CA"/>
-          </a:p>
-        </p:txBody>
-      </p:sp>
-      <p:sp>
-        <p:nvSpPr>
-          <p:cNvPr id="11" name="TextBox 10"/>
-          <p:cNvSpPr txBox="1"/>
-          <p:nvPr/>
-        </p:nvSpPr>
-        <p:spPr>
-          <a:xfrm>
-            <a:off x="7714467" y="4001785"/>
-            <a:ext cx="1289398" cy="307777"/>
-          </a:xfrm>
-          <a:prstGeom prst="rect">
-            <a:avLst/>
-          </a:prstGeom>
-          <a:noFill/>
-        </p:spPr>
-        <p:txBody>
-          <a:bodyPr wrap="square" rtlCol="0">
-            <a:spAutoFit/>
-          </a:bodyPr>
-          <a:lstStyle/>
-          <a:p>
-            <a:r>
-              <a:rPr lang="en-CA" dirty="0" smtClean="0"/>
-              <a:t>Location Data</a:t>
-            </a:r>
-            <a:endParaRPr lang="en-CA" dirty="0"/>
-          </a:p>
-        </p:txBody>
-      </p:sp>
-      <p:cxnSp>
-        <p:nvCxnSpPr>
-          <p:cNvPr id="20" name="Elbow Connector 19"/>
-          <p:cNvCxnSpPr>
-            <a:stCxn id="10" idx="1"/>
-            <a:endCxn id="11" idx="3"/>
-          </p:cNvCxnSpPr>
-          <p:nvPr/>
-        </p:nvCxnSpPr>
-        <p:spPr>
-          <a:xfrm rot="10800000" flipH="1" flipV="1">
-            <a:off x="8885733" y="3208298"/>
-            <a:ext cx="118131" cy="947376"/>
-          </a:xfrm>
-          <a:prstGeom prst="bentConnector5">
-            <a:avLst>
-              <a:gd name="adj1" fmla="val 143032"/>
-              <a:gd name="adj2" fmla="val 67513"/>
-              <a:gd name="adj3" fmla="val 142069"/>
-            </a:avLst>
-          </a:prstGeom>
-        </p:spPr>
-        <p:style>
-          <a:lnRef idx="2">
-            <a:schemeClr val="dk1"/>
-          </a:lnRef>
-          <a:fillRef idx="0">
-            <a:schemeClr val="dk1"/>
-          </a:fillRef>
-          <a:effectRef idx="1">
-            <a:schemeClr val="dk1"/>
-          </a:effectRef>
-          <a:fontRef idx="minor">
-            <a:schemeClr val="tx1"/>
-          </a:fontRef>
-        </p:style>
-      </p:cxnSp>
-      <p:sp>
-        <p:nvSpPr>
-          <p:cNvPr id="31" name="Right Brace 30"/>
-          <p:cNvSpPr/>
-          <p:nvPr/>
-        </p:nvSpPr>
-        <p:spPr>
-          <a:xfrm>
-            <a:off x="2138602" y="3867894"/>
-            <a:ext cx="144016" cy="1106504"/>
-          </a:xfrm>
-          <a:prstGeom prst="rightBrace">
-            <a:avLst/>
-          </a:prstGeom>
-        </p:spPr>
-        <p:style>
-          <a:lnRef idx="2">
-            <a:schemeClr val="dk1"/>
-          </a:lnRef>
-          <a:fillRef idx="0">
-            <a:schemeClr val="dk1"/>
-          </a:fillRef>
-          <a:effectRef idx="1">
-            <a:schemeClr val="dk1"/>
-          </a:effectRef>
-          <a:fontRef idx="minor">
-            <a:schemeClr val="tx1"/>
-          </a:fontRef>
-        </p:style>
-        <p:txBody>
-          <a:bodyPr rtlCol="0" anchor="ctr"/>
-          <a:lstStyle/>
-          <a:p>
-            <a:pPr algn="ctr"/>
-            <a:endParaRPr lang="en-CA"/>
-          </a:p>
-        </p:txBody>
-      </p:sp>
-      <p:sp>
-        <p:nvSpPr>
-          <p:cNvPr id="32" name="TextBox 31"/>
-          <p:cNvSpPr txBox="1"/>
-          <p:nvPr/>
-        </p:nvSpPr>
-        <p:spPr>
-          <a:xfrm>
-            <a:off x="2269704" y="4266459"/>
-            <a:ext cx="1800200" cy="307777"/>
-          </a:xfrm>
-          <a:prstGeom prst="rect">
-            <a:avLst/>
-          </a:prstGeom>
-          <a:noFill/>
-        </p:spPr>
-        <p:txBody>
-          <a:bodyPr wrap="square" rtlCol="0">
-            <a:spAutoFit/>
-          </a:bodyPr>
-          <a:lstStyle/>
-          <a:p>
-            <a:r>
-              <a:rPr lang="en-CA" dirty="0" smtClean="0"/>
-              <a:t>Time Data</a:t>
-            </a:r>
-            <a:endParaRPr lang="en-CA" dirty="0"/>
-          </a:p>
-        </p:txBody>
-      </p:sp>
-      <p:sp>
-        <p:nvSpPr>
-          <p:cNvPr id="33" name="Google Shape;346;p17"/>
-          <p:cNvSpPr txBox="1">
-            <a:spLocks/>
-          </p:cNvSpPr>
-          <p:nvPr/>
-        </p:nvSpPr>
-        <p:spPr>
-          <a:xfrm>
-            <a:off x="205397" y="1563638"/>
-            <a:ext cx="8608329" cy="2932500"/>
-          </a:xfrm>
-          <a:prstGeom prst="rect">
-            <a:avLst/>
-          </a:prstGeom>
-          <a:noFill/>
-          <a:ln>
-            <a:noFill/>
-          </a:ln>
-        </p:spPr>
-        <p:txBody>
-          <a:bodyPr spcFirstLastPara="1" wrap="square" lIns="0" tIns="0" rIns="0" bIns="0" anchor="t" anchorCtr="0">
-            <a:noAutofit/>
-          </a:bodyPr>
-          <a:lstStyle>
-            <a:defPPr marR="0" lvl="0" algn="l" rtl="0">
-              <a:lnSpc>
-                <a:spcPct val="100000"/>
-              </a:lnSpc>
-              <a:spcBef>
-                <a:spcPts val="0"/>
-              </a:spcBef>
-              <a:spcAft>
-                <a:spcPts val="0"/>
-              </a:spcAft>
-            </a:defPPr>
-            <a:lvl1pPr marL="457200" marR="0" lvl="0" indent="-355600" algn="l" rtl="0">
-              <a:lnSpc>
-                <a:spcPct val="120000"/>
-              </a:lnSpc>
-              <a:spcBef>
-                <a:spcPts val="600"/>
-              </a:spcBef>
-              <a:spcAft>
-                <a:spcPts val="0"/>
-              </a:spcAft>
-              <a:buClr>
-                <a:schemeClr val="accent6"/>
-              </a:buClr>
-              <a:buSzPts val="2000"/>
-              <a:buFont typeface="Montserrat Light"/>
-              <a:buChar char="❑"/>
-              <a:defRPr sz="2000" b="0" i="0" u="none" strike="noStrike" cap="none">
-                <a:solidFill>
-                  <a:schemeClr val="dk1"/>
-                </a:solidFill>
-                <a:latin typeface="Montserrat Light"/>
-                <a:ea typeface="Montserrat Light"/>
-                <a:cs typeface="Montserrat Light"/>
-                <a:sym typeface="Montserrat Light"/>
-              </a:defRPr>
-            </a:lvl1pPr>
-            <a:lvl2pPr marL="914400" marR="0" lvl="1" indent="-355600" algn="l" rtl="0">
-              <a:lnSpc>
-                <a:spcPct val="120000"/>
-              </a:lnSpc>
-              <a:spcBef>
-                <a:spcPts val="600"/>
-              </a:spcBef>
-              <a:spcAft>
-                <a:spcPts val="0"/>
-              </a:spcAft>
-              <a:buClr>
-                <a:schemeClr val="accent6"/>
-              </a:buClr>
-              <a:buSzPts val="2000"/>
-              <a:buFont typeface="Montserrat Light"/>
-              <a:buChar char="❏"/>
-              <a:defRPr sz="2000" b="0" i="0" u="none" strike="noStrike" cap="none">
-                <a:solidFill>
-                  <a:schemeClr val="dk1"/>
-                </a:solidFill>
-                <a:latin typeface="Montserrat Light"/>
-                <a:ea typeface="Montserrat Light"/>
-                <a:cs typeface="Montserrat Light"/>
-                <a:sym typeface="Montserrat Light"/>
-              </a:defRPr>
-            </a:lvl2pPr>
-            <a:lvl3pPr marL="1371600" marR="0" lvl="2" indent="-355600" algn="l" rtl="0">
-              <a:lnSpc>
-                <a:spcPct val="120000"/>
-              </a:lnSpc>
-              <a:spcBef>
-                <a:spcPts val="600"/>
-              </a:spcBef>
-              <a:spcAft>
-                <a:spcPts val="0"/>
-              </a:spcAft>
-              <a:buClr>
-                <a:schemeClr val="accent6"/>
-              </a:buClr>
-              <a:buSzPts val="2000"/>
-              <a:buFont typeface="Montserrat Light"/>
-              <a:buChar char="❏"/>
-              <a:defRPr sz="2000" b="0" i="0" u="none" strike="noStrike" cap="none">
-                <a:solidFill>
-                  <a:schemeClr val="dk1"/>
-                </a:solidFill>
-                <a:latin typeface="Montserrat Light"/>
-                <a:ea typeface="Montserrat Light"/>
-                <a:cs typeface="Montserrat Light"/>
-                <a:sym typeface="Montserrat Light"/>
-              </a:defRPr>
-            </a:lvl3pPr>
-            <a:lvl4pPr marL="1828800" marR="0" lvl="3" indent="-355600" algn="l" rtl="0">
-              <a:lnSpc>
-                <a:spcPct val="120000"/>
-              </a:lnSpc>
-              <a:spcBef>
-                <a:spcPts val="600"/>
-              </a:spcBef>
-              <a:spcAft>
-                <a:spcPts val="0"/>
-              </a:spcAft>
-              <a:buClr>
-                <a:schemeClr val="accent6"/>
-              </a:buClr>
-              <a:buSzPts val="2000"/>
-              <a:buFont typeface="Montserrat Light"/>
-              <a:buChar char="❏"/>
-              <a:defRPr sz="2000" b="0" i="0" u="none" strike="noStrike" cap="none">
-                <a:solidFill>
-                  <a:schemeClr val="dk1"/>
-                </a:solidFill>
-                <a:latin typeface="Montserrat Light"/>
-                <a:ea typeface="Montserrat Light"/>
-                <a:cs typeface="Montserrat Light"/>
-                <a:sym typeface="Montserrat Light"/>
-              </a:defRPr>
-            </a:lvl4pPr>
-            <a:lvl5pPr marL="2286000" marR="0" lvl="4" indent="-355600" algn="l" rtl="0">
-              <a:lnSpc>
-                <a:spcPct val="120000"/>
-              </a:lnSpc>
-              <a:spcBef>
-                <a:spcPts val="600"/>
-              </a:spcBef>
-              <a:spcAft>
-                <a:spcPts val="0"/>
-              </a:spcAft>
-              <a:buClr>
-                <a:schemeClr val="accent6"/>
-              </a:buClr>
-              <a:buSzPts val="2000"/>
-              <a:buFont typeface="Montserrat Light"/>
-              <a:buChar char="❏"/>
-              <a:defRPr sz="2000" b="0" i="0" u="none" strike="noStrike" cap="none">
-                <a:solidFill>
-                  <a:schemeClr val="dk1"/>
-                </a:solidFill>
-                <a:latin typeface="Montserrat Light"/>
-                <a:ea typeface="Montserrat Light"/>
-                <a:cs typeface="Montserrat Light"/>
-                <a:sym typeface="Montserrat Light"/>
-              </a:defRPr>
-            </a:lvl5pPr>
-            <a:lvl6pPr marL="2743200" marR="0" lvl="5" indent="-355600" algn="l" rtl="0">
-              <a:lnSpc>
-                <a:spcPct val="120000"/>
-              </a:lnSpc>
-              <a:spcBef>
-                <a:spcPts val="600"/>
-              </a:spcBef>
-              <a:spcAft>
-                <a:spcPts val="0"/>
-              </a:spcAft>
-              <a:buClr>
-                <a:schemeClr val="accent6"/>
-              </a:buClr>
-              <a:buSzPts val="2000"/>
-              <a:buFont typeface="Montserrat Light"/>
-              <a:buChar char="❏"/>
-              <a:defRPr sz="2000" b="0" i="0" u="none" strike="noStrike" cap="none">
-                <a:solidFill>
-                  <a:schemeClr val="dk1"/>
-                </a:solidFill>
-                <a:latin typeface="Montserrat Light"/>
-                <a:ea typeface="Montserrat Light"/>
-                <a:cs typeface="Montserrat Light"/>
-                <a:sym typeface="Montserrat Light"/>
-              </a:defRPr>
-            </a:lvl6pPr>
-            <a:lvl7pPr marL="3200400" marR="0" lvl="6" indent="-355600" algn="l" rtl="0">
-              <a:lnSpc>
-                <a:spcPct val="120000"/>
-              </a:lnSpc>
-              <a:spcBef>
-                <a:spcPts val="600"/>
-              </a:spcBef>
-              <a:spcAft>
-                <a:spcPts val="0"/>
-              </a:spcAft>
-              <a:buClr>
-                <a:schemeClr val="accent6"/>
-              </a:buClr>
-              <a:buSzPts val="2000"/>
-              <a:buFont typeface="Montserrat Light"/>
-              <a:buChar char="❏"/>
-              <a:defRPr sz="2000" b="0" i="0" u="none" strike="noStrike" cap="none">
-                <a:solidFill>
-                  <a:schemeClr val="dk1"/>
-                </a:solidFill>
-                <a:latin typeface="Montserrat Light"/>
-                <a:ea typeface="Montserrat Light"/>
-                <a:cs typeface="Montserrat Light"/>
-                <a:sym typeface="Montserrat Light"/>
-              </a:defRPr>
-            </a:lvl7pPr>
-            <a:lvl8pPr marL="3657600" marR="0" lvl="7" indent="-355600" algn="l" rtl="0">
-              <a:lnSpc>
-                <a:spcPct val="120000"/>
-              </a:lnSpc>
-              <a:spcBef>
-                <a:spcPts val="600"/>
-              </a:spcBef>
-              <a:spcAft>
-                <a:spcPts val="0"/>
-              </a:spcAft>
-              <a:buClr>
-                <a:schemeClr val="accent6"/>
-              </a:buClr>
-              <a:buSzPts val="2000"/>
-              <a:buFont typeface="Montserrat Light"/>
-              <a:buChar char="❏"/>
-              <a:defRPr sz="2000" b="0" i="0" u="none" strike="noStrike" cap="none">
-                <a:solidFill>
-                  <a:schemeClr val="dk1"/>
-                </a:solidFill>
-                <a:latin typeface="Montserrat Light"/>
-                <a:ea typeface="Montserrat Light"/>
-                <a:cs typeface="Montserrat Light"/>
-                <a:sym typeface="Montserrat Light"/>
-              </a:defRPr>
-            </a:lvl8pPr>
-            <a:lvl9pPr marL="4114800" marR="0" lvl="8" indent="-355600" algn="l" rtl="0">
-              <a:lnSpc>
-                <a:spcPct val="120000"/>
-              </a:lnSpc>
-              <a:spcBef>
-                <a:spcPts val="600"/>
-              </a:spcBef>
-              <a:spcAft>
-                <a:spcPts val="0"/>
-              </a:spcAft>
-              <a:buClr>
-                <a:schemeClr val="accent6"/>
-              </a:buClr>
-              <a:buSzPts val="2000"/>
-              <a:buFont typeface="Montserrat Light"/>
-              <a:buChar char="❏"/>
-              <a:defRPr sz="2000" b="0" i="0" u="none" strike="noStrike" cap="none">
-                <a:solidFill>
-                  <a:schemeClr val="dk1"/>
-                </a:solidFill>
-                <a:latin typeface="Montserrat Light"/>
-                <a:ea typeface="Montserrat Light"/>
-                <a:cs typeface="Montserrat Light"/>
-                <a:sym typeface="Montserrat Light"/>
-              </a:defRPr>
-            </a:lvl9pPr>
-          </a:lstStyle>
-          <a:p>
-            <a:pPr>
-              <a:spcBef>
-                <a:spcPts val="0"/>
-              </a:spcBef>
-            </a:pPr>
-            <a:r>
-              <a:rPr lang="en-US" sz="1600" dirty="0" smtClean="0"/>
-              <a:t>Feature Importance extracted from Random Forrest on predicting # of incidents:</a:t>
-            </a:r>
-          </a:p>
-          <a:p>
-            <a:pPr>
-              <a:spcBef>
-                <a:spcPts val="0"/>
-              </a:spcBef>
-            </a:pPr>
-            <a:endParaRPr lang="en-US" sz="1600" dirty="0" smtClean="0"/>
-          </a:p>
-          <a:p>
-            <a:pPr>
-              <a:spcBef>
-                <a:spcPts val="0"/>
-              </a:spcBef>
-            </a:pPr>
-            <a:endParaRPr lang="en-US" sz="1600" dirty="0"/>
-          </a:p>
-        </p:txBody>
-      </p:sp>
-    </p:spTree>
-    <p:extLst>
-      <p:ext uri="{BB962C8B-B14F-4D97-AF65-F5344CB8AC3E}">
-        <p14:creationId xmlns:p14="http://schemas.microsoft.com/office/powerpoint/2010/main" val="3077462056"/>
-      </p:ext>
-    </p:extLst>
-  </p:cSld>
-  <p:clrMapOvr>
-    <a:masterClrMapping/>
-  </p:clrMapOvr>
-</p:sld>
-</file>
-
-<file path=ppt/slides/slide9.xml><?xml version="1.0" encoding="utf-8"?>
-<p:sld xmlns:a="http://schemas.openxmlformats.org/drawingml/2006/main" xmlns:r="http://schemas.openxmlformats.org/officeDocument/2006/relationships" xmlns:p="http://schemas.openxmlformats.org/presentationml/2006/main">
-  <p:cSld>
-    <p:spTree>
-      <p:nvGrpSpPr>
-        <p:cNvPr id="1" name="Shape 388"/>
-        <p:cNvGrpSpPr/>
-        <p:nvPr/>
-      </p:nvGrpSpPr>
-      <p:grpSpPr>
-        <a:xfrm>
-          <a:off x="0" y="0"/>
-          <a:ext cx="0" cy="0"/>
-          <a:chOff x="0" y="0"/>
-          <a:chExt cx="0" cy="0"/>
-        </a:xfrm>
-      </p:grpSpPr>
-      <p:sp>
-        <p:nvSpPr>
-          <p:cNvPr id="389" name="Google Shape;389;p21"/>
-          <p:cNvSpPr txBox="1">
-            <a:spLocks noGrp="1"/>
-          </p:cNvSpPr>
-          <p:nvPr>
-            <p:ph type="title"/>
-          </p:nvPr>
-        </p:nvSpPr>
-        <p:spPr>
-          <a:xfrm>
-            <a:off x="776450" y="402700"/>
-            <a:ext cx="3587400" cy="856800"/>
-          </a:xfrm>
-          <a:prstGeom prst="rect">
-            <a:avLst/>
-          </a:prstGeom>
-        </p:spPr>
-        <p:txBody>
-          <a:bodyPr spcFirstLastPara="1" wrap="square" lIns="0" tIns="0" rIns="0" bIns="0" anchor="b" anchorCtr="0">
-            <a:noAutofit/>
-          </a:bodyPr>
-          <a:lstStyle/>
-          <a:p>
-            <a:pPr marL="0" lvl="0" indent="0" algn="l" rtl="0">
-              <a:spcBef>
-                <a:spcPts val="0"/>
-              </a:spcBef>
-              <a:spcAft>
-                <a:spcPts val="0"/>
-              </a:spcAft>
-              <a:buNone/>
-            </a:pPr>
-            <a:r>
-              <a:rPr lang="en" dirty="0" smtClean="0"/>
-              <a:t>NEURAL NETWORK</a:t>
-            </a:r>
-            <a:endParaRPr dirty="0"/>
-          </a:p>
-        </p:txBody>
-      </p:sp>
-      <p:sp>
-        <p:nvSpPr>
-          <p:cNvPr id="391" name="Google Shape;391;p21"/>
-          <p:cNvSpPr txBox="1">
-            <a:spLocks noGrp="1"/>
-          </p:cNvSpPr>
-          <p:nvPr>
-            <p:ph type="sldNum" idx="12"/>
-          </p:nvPr>
-        </p:nvSpPr>
-        <p:spPr>
-          <a:xfrm>
-            <a:off x="8729400" y="4734075"/>
-            <a:ext cx="414600" cy="409500"/>
-          </a:xfrm>
-          <a:prstGeom prst="rect">
-            <a:avLst/>
-          </a:prstGeom>
-        </p:spPr>
-        <p:txBody>
-          <a:bodyPr spcFirstLastPara="1" wrap="square" lIns="0" tIns="0" rIns="0" bIns="0" anchor="ctr" anchorCtr="0">
-            <a:noAutofit/>
-          </a:bodyPr>
-          <a:lstStyle/>
-          <a:p>
-            <a:pPr marL="0" lvl="0" indent="0" algn="ctr" rtl="0">
-              <a:spcBef>
-                <a:spcPts val="0"/>
-              </a:spcBef>
-              <a:spcAft>
-                <a:spcPts val="0"/>
-              </a:spcAft>
-              <a:buNone/>
-            </a:pPr>
-            <a:fld id="{00000000-1234-1234-1234-123412341234}" type="slidenum">
-              <a:rPr lang="en"/>
-              <a:t>9</a:t>
-            </a:fld>
-            <a:endParaRPr/>
-          </a:p>
-        </p:txBody>
-      </p:sp>
-      <p:sp>
-        <p:nvSpPr>
-          <p:cNvPr id="6" name="Google Shape;346;p17"/>
-          <p:cNvSpPr txBox="1">
-            <a:spLocks/>
-          </p:cNvSpPr>
-          <p:nvPr/>
-        </p:nvSpPr>
-        <p:spPr>
-          <a:xfrm>
-            <a:off x="395536" y="1676775"/>
-            <a:ext cx="8424936" cy="2932500"/>
-          </a:xfrm>
-          <a:prstGeom prst="rect">
-            <a:avLst/>
-          </a:prstGeom>
-          <a:noFill/>
-          <a:ln>
-            <a:noFill/>
-          </a:ln>
-        </p:spPr>
-        <p:txBody>
-          <a:bodyPr spcFirstLastPara="1" wrap="square" lIns="0" tIns="0" rIns="0" bIns="0" anchor="t" anchorCtr="0">
-            <a:noAutofit/>
-          </a:bodyPr>
-          <a:lstStyle>
-            <a:defPPr marR="0" lvl="0" algn="l" rtl="0">
-              <a:lnSpc>
-                <a:spcPct val="100000"/>
-              </a:lnSpc>
-              <a:spcBef>
-                <a:spcPts val="0"/>
-              </a:spcBef>
-              <a:spcAft>
-                <a:spcPts val="0"/>
-              </a:spcAft>
-            </a:defPPr>
-            <a:lvl1pPr marL="457200" marR="0" lvl="0" indent="-355600" algn="l" rtl="0">
-              <a:lnSpc>
-                <a:spcPct val="120000"/>
-              </a:lnSpc>
-              <a:spcBef>
-                <a:spcPts val="600"/>
-              </a:spcBef>
-              <a:spcAft>
-                <a:spcPts val="0"/>
-              </a:spcAft>
-              <a:buClr>
-                <a:schemeClr val="accent6"/>
-              </a:buClr>
-              <a:buSzPts val="2000"/>
-              <a:buFont typeface="Montserrat Light"/>
-              <a:buChar char="❑"/>
-              <a:defRPr sz="2000" b="0" i="0" u="none" strike="noStrike" cap="none">
-                <a:solidFill>
-                  <a:schemeClr val="dk1"/>
-                </a:solidFill>
-                <a:latin typeface="Montserrat Light"/>
-                <a:ea typeface="Montserrat Light"/>
-                <a:cs typeface="Montserrat Light"/>
-                <a:sym typeface="Montserrat Light"/>
-              </a:defRPr>
-            </a:lvl1pPr>
-            <a:lvl2pPr marL="914400" marR="0" lvl="1" indent="-355600" algn="l" rtl="0">
-              <a:lnSpc>
-                <a:spcPct val="120000"/>
-              </a:lnSpc>
-              <a:spcBef>
-                <a:spcPts val="600"/>
-              </a:spcBef>
-              <a:spcAft>
-                <a:spcPts val="0"/>
-              </a:spcAft>
-              <a:buClr>
-                <a:schemeClr val="accent6"/>
-              </a:buClr>
-              <a:buSzPts val="2000"/>
-              <a:buFont typeface="Montserrat Light"/>
-              <a:buChar char="❏"/>
-              <a:defRPr sz="2000" b="0" i="0" u="none" strike="noStrike" cap="none">
-                <a:solidFill>
-                  <a:schemeClr val="dk1"/>
-                </a:solidFill>
-                <a:latin typeface="Montserrat Light"/>
-                <a:ea typeface="Montserrat Light"/>
-                <a:cs typeface="Montserrat Light"/>
-                <a:sym typeface="Montserrat Light"/>
-              </a:defRPr>
-            </a:lvl2pPr>
-            <a:lvl3pPr marL="1371600" marR="0" lvl="2" indent="-355600" algn="l" rtl="0">
-              <a:lnSpc>
-                <a:spcPct val="120000"/>
-              </a:lnSpc>
-              <a:spcBef>
-                <a:spcPts val="600"/>
-              </a:spcBef>
-              <a:spcAft>
-                <a:spcPts val="0"/>
-              </a:spcAft>
-              <a:buClr>
-                <a:schemeClr val="accent6"/>
-              </a:buClr>
-              <a:buSzPts val="2000"/>
-              <a:buFont typeface="Montserrat Light"/>
-              <a:buChar char="❏"/>
-              <a:defRPr sz="2000" b="0" i="0" u="none" strike="noStrike" cap="none">
-                <a:solidFill>
-                  <a:schemeClr val="dk1"/>
-                </a:solidFill>
-                <a:latin typeface="Montserrat Light"/>
-                <a:ea typeface="Montserrat Light"/>
-                <a:cs typeface="Montserrat Light"/>
-                <a:sym typeface="Montserrat Light"/>
-              </a:defRPr>
-            </a:lvl3pPr>
-            <a:lvl4pPr marL="1828800" marR="0" lvl="3" indent="-355600" algn="l" rtl="0">
-              <a:lnSpc>
-                <a:spcPct val="120000"/>
-              </a:lnSpc>
-              <a:spcBef>
-                <a:spcPts val="600"/>
-              </a:spcBef>
-              <a:spcAft>
-                <a:spcPts val="0"/>
-              </a:spcAft>
-              <a:buClr>
-                <a:schemeClr val="accent6"/>
-              </a:buClr>
-              <a:buSzPts val="2000"/>
-              <a:buFont typeface="Montserrat Light"/>
-              <a:buChar char="❏"/>
-              <a:defRPr sz="2000" b="0" i="0" u="none" strike="noStrike" cap="none">
-                <a:solidFill>
-                  <a:schemeClr val="dk1"/>
-                </a:solidFill>
-                <a:latin typeface="Montserrat Light"/>
-                <a:ea typeface="Montserrat Light"/>
-                <a:cs typeface="Montserrat Light"/>
-                <a:sym typeface="Montserrat Light"/>
-              </a:defRPr>
-            </a:lvl4pPr>
-            <a:lvl5pPr marL="2286000" marR="0" lvl="4" indent="-355600" algn="l" rtl="0">
-              <a:lnSpc>
-                <a:spcPct val="120000"/>
-              </a:lnSpc>
-              <a:spcBef>
-                <a:spcPts val="600"/>
-              </a:spcBef>
-              <a:spcAft>
-                <a:spcPts val="0"/>
-              </a:spcAft>
-              <a:buClr>
-                <a:schemeClr val="accent6"/>
-              </a:buClr>
-              <a:buSzPts val="2000"/>
-              <a:buFont typeface="Montserrat Light"/>
-              <a:buChar char="❏"/>
-              <a:defRPr sz="2000" b="0" i="0" u="none" strike="noStrike" cap="none">
-                <a:solidFill>
-                  <a:schemeClr val="dk1"/>
-                </a:solidFill>
-                <a:latin typeface="Montserrat Light"/>
-                <a:ea typeface="Montserrat Light"/>
-                <a:cs typeface="Montserrat Light"/>
-                <a:sym typeface="Montserrat Light"/>
-              </a:defRPr>
-            </a:lvl5pPr>
-            <a:lvl6pPr marL="2743200" marR="0" lvl="5" indent="-355600" algn="l" rtl="0">
-              <a:lnSpc>
-                <a:spcPct val="120000"/>
-              </a:lnSpc>
-              <a:spcBef>
-                <a:spcPts val="600"/>
-              </a:spcBef>
-              <a:spcAft>
-                <a:spcPts val="0"/>
-              </a:spcAft>
-              <a:buClr>
-                <a:schemeClr val="accent6"/>
-              </a:buClr>
-              <a:buSzPts val="2000"/>
-              <a:buFont typeface="Montserrat Light"/>
-              <a:buChar char="❏"/>
-              <a:defRPr sz="2000" b="0" i="0" u="none" strike="noStrike" cap="none">
-                <a:solidFill>
-                  <a:schemeClr val="dk1"/>
-                </a:solidFill>
-                <a:latin typeface="Montserrat Light"/>
-                <a:ea typeface="Montserrat Light"/>
-                <a:cs typeface="Montserrat Light"/>
-                <a:sym typeface="Montserrat Light"/>
-              </a:defRPr>
-            </a:lvl6pPr>
-            <a:lvl7pPr marL="3200400" marR="0" lvl="6" indent="-355600" algn="l" rtl="0">
-              <a:lnSpc>
-                <a:spcPct val="120000"/>
-              </a:lnSpc>
-              <a:spcBef>
-                <a:spcPts val="600"/>
-              </a:spcBef>
-              <a:spcAft>
-                <a:spcPts val="0"/>
-              </a:spcAft>
-              <a:buClr>
-                <a:schemeClr val="accent6"/>
-              </a:buClr>
-              <a:buSzPts val="2000"/>
-              <a:buFont typeface="Montserrat Light"/>
-              <a:buChar char="❏"/>
-              <a:defRPr sz="2000" b="0" i="0" u="none" strike="noStrike" cap="none">
-                <a:solidFill>
-                  <a:schemeClr val="dk1"/>
-                </a:solidFill>
-                <a:latin typeface="Montserrat Light"/>
-                <a:ea typeface="Montserrat Light"/>
-                <a:cs typeface="Montserrat Light"/>
-                <a:sym typeface="Montserrat Light"/>
-              </a:defRPr>
-            </a:lvl7pPr>
-            <a:lvl8pPr marL="3657600" marR="0" lvl="7" indent="-355600" algn="l" rtl="0">
-              <a:lnSpc>
-                <a:spcPct val="120000"/>
-              </a:lnSpc>
-              <a:spcBef>
-                <a:spcPts val="600"/>
-              </a:spcBef>
-              <a:spcAft>
-                <a:spcPts val="0"/>
-              </a:spcAft>
-              <a:buClr>
-                <a:schemeClr val="accent6"/>
-              </a:buClr>
-              <a:buSzPts val="2000"/>
-              <a:buFont typeface="Montserrat Light"/>
-              <a:buChar char="❏"/>
-              <a:defRPr sz="2000" b="0" i="0" u="none" strike="noStrike" cap="none">
-                <a:solidFill>
-                  <a:schemeClr val="dk1"/>
-                </a:solidFill>
-                <a:latin typeface="Montserrat Light"/>
-                <a:ea typeface="Montserrat Light"/>
-                <a:cs typeface="Montserrat Light"/>
-                <a:sym typeface="Montserrat Light"/>
-              </a:defRPr>
-            </a:lvl8pPr>
-            <a:lvl9pPr marL="4114800" marR="0" lvl="8" indent="-355600" algn="l" rtl="0">
-              <a:lnSpc>
-                <a:spcPct val="120000"/>
-              </a:lnSpc>
-              <a:spcBef>
-                <a:spcPts val="600"/>
-              </a:spcBef>
-              <a:spcAft>
-                <a:spcPts val="0"/>
-              </a:spcAft>
-              <a:buClr>
-                <a:schemeClr val="accent6"/>
-              </a:buClr>
-              <a:buSzPts val="2000"/>
-              <a:buFont typeface="Montserrat Light"/>
-              <a:buChar char="❏"/>
-              <a:defRPr sz="2000" b="0" i="0" u="none" strike="noStrike" cap="none">
-                <a:solidFill>
-                  <a:schemeClr val="dk1"/>
-                </a:solidFill>
-                <a:latin typeface="Montserrat Light"/>
-                <a:ea typeface="Montserrat Light"/>
-                <a:cs typeface="Montserrat Light"/>
-                <a:sym typeface="Montserrat Light"/>
-              </a:defRPr>
-            </a:lvl9pPr>
-          </a:lstStyle>
-          <a:p>
-            <a:pPr>
-              <a:spcBef>
-                <a:spcPts val="0"/>
-              </a:spcBef>
-            </a:pPr>
-            <a:r>
-              <a:rPr lang="en-US" sz="1600" dirty="0" smtClean="0"/>
-              <a:t>DNN performed only marginally better than the statistical classifiers for predicting # of incidents (MAE=2.02)</a:t>
-            </a:r>
-          </a:p>
-          <a:p>
-            <a:pPr>
-              <a:spcBef>
-                <a:spcPts val="0"/>
-              </a:spcBef>
-            </a:pPr>
-            <a:endParaRPr lang="en-US" sz="1600" dirty="0" smtClean="0"/>
-          </a:p>
-          <a:p>
-            <a:pPr>
-              <a:spcBef>
-                <a:spcPts val="0"/>
-              </a:spcBef>
-            </a:pPr>
-            <a:endParaRPr lang="en-US" sz="1600" dirty="0"/>
-          </a:p>
-        </p:txBody>
-      </p:sp>
-      <p:pic>
-        <p:nvPicPr>
-          <p:cNvPr id="2" name="Picture 1"/>
-          <p:cNvPicPr>
-            <a:picLocks noChangeAspect="1"/>
-          </p:cNvPicPr>
-          <p:nvPr/>
-        </p:nvPicPr>
-        <p:blipFill>
-          <a:blip r:embed="rId3">
-            <a:extLst>
-              <a:ext uri="{28A0092B-C50C-407E-A947-70E740481C1C}">
-                <a14:useLocalDpi xmlns:a14="http://schemas.microsoft.com/office/drawing/2010/main" val="0"/>
-              </a:ext>
-            </a:extLst>
-          </a:blip>
-          <a:stretch>
-            <a:fillRect/>
-          </a:stretch>
-        </p:blipFill>
-        <p:spPr>
-          <a:xfrm>
-            <a:off x="4716016" y="2355724"/>
-            <a:ext cx="3893960" cy="2616741"/>
-          </a:xfrm>
-          <a:prstGeom prst="rect">
-            <a:avLst/>
-          </a:prstGeom>
-        </p:spPr>
-      </p:pic>
-      <p:sp>
-        <p:nvSpPr>
-          <p:cNvPr id="3" name="TextBox 2"/>
-          <p:cNvSpPr txBox="1"/>
-          <p:nvPr/>
-        </p:nvSpPr>
-        <p:spPr>
-          <a:xfrm>
-            <a:off x="395536" y="2556553"/>
-            <a:ext cx="4036269" cy="2062103"/>
-          </a:xfrm>
-          <a:prstGeom prst="rect">
-            <a:avLst/>
-          </a:prstGeom>
-          <a:solidFill>
-            <a:schemeClr val="bg1"/>
-          </a:solidFill>
-        </p:spPr>
-        <p:txBody>
-          <a:bodyPr wrap="square" rtlCol="0">
-            <a:spAutoFit/>
-          </a:bodyPr>
-          <a:lstStyle/>
-          <a:p>
-            <a:r>
-              <a:rPr lang="en-CA" sz="800" dirty="0"/>
-              <a:t>_________________________________________________________________</a:t>
-            </a:r>
-          </a:p>
-          <a:p>
-            <a:r>
-              <a:rPr lang="en-CA" sz="800" dirty="0"/>
-              <a:t>Layer (type)                 Output Shape              </a:t>
-            </a:r>
-            <a:r>
-              <a:rPr lang="en-CA" sz="800" dirty="0" err="1"/>
-              <a:t>Param</a:t>
-            </a:r>
-            <a:r>
-              <a:rPr lang="en-CA" sz="800" dirty="0"/>
-              <a:t> #   </a:t>
-            </a:r>
-          </a:p>
-          <a:p>
-            <a:r>
-              <a:rPr lang="en-CA" sz="800" dirty="0"/>
-              <a:t>=================================================================</a:t>
-            </a:r>
-          </a:p>
-          <a:p>
-            <a:r>
-              <a:rPr lang="en-CA" sz="800" dirty="0"/>
-              <a:t>dense_1 (Dense)              (None, 200)               8800      </a:t>
-            </a:r>
-          </a:p>
-          <a:p>
-            <a:r>
-              <a:rPr lang="en-CA" sz="800" dirty="0"/>
-              <a:t>_________________________________________________________________</a:t>
-            </a:r>
-          </a:p>
-          <a:p>
-            <a:r>
-              <a:rPr lang="en-CA" sz="800" dirty="0"/>
-              <a:t>dropout_1 (Dropout)          (None, 200)               0         </a:t>
-            </a:r>
-          </a:p>
-          <a:p>
-            <a:r>
-              <a:rPr lang="en-CA" sz="800" dirty="0"/>
-              <a:t>_________________________________________________________________</a:t>
-            </a:r>
-          </a:p>
-          <a:p>
-            <a:r>
-              <a:rPr lang="en-CA" sz="800" dirty="0"/>
-              <a:t>dense_2 (Dense)              (None, 250)               50250     </a:t>
-            </a:r>
-          </a:p>
-          <a:p>
-            <a:r>
-              <a:rPr lang="en-CA" sz="800" dirty="0"/>
-              <a:t>_________________________________________________________________</a:t>
-            </a:r>
-          </a:p>
-          <a:p>
-            <a:r>
-              <a:rPr lang="en-CA" sz="800" dirty="0"/>
-              <a:t>dropout_2 (Dropout)          (None, 250)               0         </a:t>
-            </a:r>
-          </a:p>
-          <a:p>
-            <a:r>
-              <a:rPr lang="en-CA" sz="800" dirty="0"/>
-              <a:t>_________________________________________________________________</a:t>
-            </a:r>
-          </a:p>
-          <a:p>
-            <a:r>
-              <a:rPr lang="en-CA" sz="800" dirty="0"/>
-              <a:t>dense_3 (Dense)              (None, 1)                 251       </a:t>
-            </a:r>
-          </a:p>
-          <a:p>
-            <a:r>
-              <a:rPr lang="en-CA" sz="800" dirty="0"/>
-              <a:t>=================================================================</a:t>
-            </a:r>
-          </a:p>
-          <a:p>
-            <a:r>
-              <a:rPr lang="en-CA" sz="800" dirty="0"/>
-              <a:t>Total </a:t>
-            </a:r>
-            <a:r>
-              <a:rPr lang="en-CA" sz="800" dirty="0" err="1"/>
-              <a:t>params</a:t>
-            </a:r>
-            <a:r>
-              <a:rPr lang="en-CA" sz="800" dirty="0"/>
-              <a:t>: 59,301</a:t>
-            </a:r>
-          </a:p>
-          <a:p>
-            <a:r>
-              <a:rPr lang="en-CA" sz="800" dirty="0"/>
-              <a:t>Trainable </a:t>
-            </a:r>
-            <a:r>
-              <a:rPr lang="en-CA" sz="800" dirty="0" err="1"/>
-              <a:t>params</a:t>
-            </a:r>
-            <a:r>
-              <a:rPr lang="en-CA" sz="800" dirty="0"/>
-              <a:t>: 59,301</a:t>
-            </a:r>
-          </a:p>
-          <a:p>
-            <a:r>
-              <a:rPr lang="en-CA" sz="800" dirty="0"/>
-              <a:t>Non-trainable </a:t>
-            </a:r>
-            <a:r>
-              <a:rPr lang="en-CA" sz="800" dirty="0" err="1"/>
-              <a:t>params</a:t>
-            </a:r>
-            <a:r>
-              <a:rPr lang="en-CA" sz="800" dirty="0"/>
-              <a:t>: 0</a:t>
-            </a:r>
-          </a:p>
-        </p:txBody>
-      </p:sp>
-    </p:spTree>
-    <p:extLst>
-      <p:ext uri="{BB962C8B-B14F-4D97-AF65-F5344CB8AC3E}">
-        <p14:creationId xmlns:p14="http://schemas.microsoft.com/office/powerpoint/2010/main" val="4133497895"/>
       </p:ext>
     </p:extLst>
   </p:cSld>
